--- a/src/main/resources/task2.pptx
+++ b/src/main/resources/task2.pptx
@@ -106,7 +106,16 @@
       </a:defRPr>
     </a:lvl9pPr>
   </p:defaultTextStyle>
+  <p:extLst>
+    <p:ext uri="{EFAFB233-063F-42B5-8137-9DF3F51BA10A}">
+      <p15:sldGuideLst xmlns:p15="http://schemas.microsoft.com/office/powerpoint/2012/main"/>
+    </p:ext>
+  </p:extLst>
 </p:presentation>
+</file>
+
+<file path=ppt/revisionInfo.xml><?xml version="1.0" encoding="utf-8"?>
+<p1510:revInfo xmlns:a="http://schemas.openxmlformats.org/drawingml/2006/main" xmlns:r="http://schemas.openxmlformats.org/officeDocument/2006/relationships" xmlns:p1510="http://schemas.microsoft.com/office/powerpoint/2015/10/main"/>
 </file>
 
 <file path=ppt/slideLayouts/slideLayout1.xml><?xml version="1.0" encoding="utf-8"?>
@@ -256,7 +265,7 @@
           <a:p>
             <a:fld id="{FAA522E5-10C3-4DD2-A51E-9C199D72819B}" type="datetimeFigureOut">
               <a:rPr lang="en-US" smtClean="0"/>
-              <a:t>6/19/2018</a:t>
+              <a:t>6/20/2018</a:t>
             </a:fld>
             <a:endParaRPr lang="en-US"/>
           </a:p>
@@ -454,7 +463,7 @@
           <a:p>
             <a:fld id="{FAA522E5-10C3-4DD2-A51E-9C199D72819B}" type="datetimeFigureOut">
               <a:rPr lang="en-US" smtClean="0"/>
-              <a:t>6/19/2018</a:t>
+              <a:t>6/20/2018</a:t>
             </a:fld>
             <a:endParaRPr lang="en-US"/>
           </a:p>
@@ -662,7 +671,7 @@
           <a:p>
             <a:fld id="{FAA522E5-10C3-4DD2-A51E-9C199D72819B}" type="datetimeFigureOut">
               <a:rPr lang="en-US" smtClean="0"/>
-              <a:t>6/19/2018</a:t>
+              <a:t>6/20/2018</a:t>
             </a:fld>
             <a:endParaRPr lang="en-US"/>
           </a:p>
@@ -860,7 +869,7 @@
           <a:p>
             <a:fld id="{FAA522E5-10C3-4DD2-A51E-9C199D72819B}" type="datetimeFigureOut">
               <a:rPr lang="en-US" smtClean="0"/>
-              <a:t>6/19/2018</a:t>
+              <a:t>6/20/2018</a:t>
             </a:fld>
             <a:endParaRPr lang="en-US"/>
           </a:p>
@@ -1135,7 +1144,7 @@
           <a:p>
             <a:fld id="{FAA522E5-10C3-4DD2-A51E-9C199D72819B}" type="datetimeFigureOut">
               <a:rPr lang="en-US" smtClean="0"/>
-              <a:t>6/19/2018</a:t>
+              <a:t>6/20/2018</a:t>
             </a:fld>
             <a:endParaRPr lang="en-US"/>
           </a:p>
@@ -1400,7 +1409,7 @@
           <a:p>
             <a:fld id="{FAA522E5-10C3-4DD2-A51E-9C199D72819B}" type="datetimeFigureOut">
               <a:rPr lang="en-US" smtClean="0"/>
-              <a:t>6/19/2018</a:t>
+              <a:t>6/20/2018</a:t>
             </a:fld>
             <a:endParaRPr lang="en-US"/>
           </a:p>
@@ -1812,7 +1821,7 @@
           <a:p>
             <a:fld id="{FAA522E5-10C3-4DD2-A51E-9C199D72819B}" type="datetimeFigureOut">
               <a:rPr lang="en-US" smtClean="0"/>
-              <a:t>6/19/2018</a:t>
+              <a:t>6/20/2018</a:t>
             </a:fld>
             <a:endParaRPr lang="en-US"/>
           </a:p>
@@ -1953,7 +1962,7 @@
           <a:p>
             <a:fld id="{FAA522E5-10C3-4DD2-A51E-9C199D72819B}" type="datetimeFigureOut">
               <a:rPr lang="en-US" smtClean="0"/>
-              <a:t>6/19/2018</a:t>
+              <a:t>6/20/2018</a:t>
             </a:fld>
             <a:endParaRPr lang="en-US"/>
           </a:p>
@@ -2066,7 +2075,7 @@
           <a:p>
             <a:fld id="{FAA522E5-10C3-4DD2-A51E-9C199D72819B}" type="datetimeFigureOut">
               <a:rPr lang="en-US" smtClean="0"/>
-              <a:t>6/19/2018</a:t>
+              <a:t>6/20/2018</a:t>
             </a:fld>
             <a:endParaRPr lang="en-US"/>
           </a:p>
@@ -2377,7 +2386,7 @@
           <a:p>
             <a:fld id="{FAA522E5-10C3-4DD2-A51E-9C199D72819B}" type="datetimeFigureOut">
               <a:rPr lang="en-US" smtClean="0"/>
-              <a:t>6/19/2018</a:t>
+              <a:t>6/20/2018</a:t>
             </a:fld>
             <a:endParaRPr lang="en-US"/>
           </a:p>
@@ -2665,7 +2674,7 @@
           <a:p>
             <a:fld id="{FAA522E5-10C3-4DD2-A51E-9C199D72819B}" type="datetimeFigureOut">
               <a:rPr lang="en-US" smtClean="0"/>
-              <a:t>6/19/2018</a:t>
+              <a:t>6/20/2018</a:t>
             </a:fld>
             <a:endParaRPr lang="en-US"/>
           </a:p>
@@ -2906,7 +2915,7 @@
           <a:p>
             <a:fld id="{FAA522E5-10C3-4DD2-A51E-9C199D72819B}" type="datetimeFigureOut">
               <a:rPr lang="en-US" smtClean="0"/>
-              <a:t>6/19/2018</a:t>
+              <a:t>6/20/2018</a:t>
             </a:fld>
             <a:endParaRPr lang="en-US"/>
           </a:p>
@@ -3337,7 +3346,7 @@
         </p:nvSpPr>
         <p:spPr>
           <a:xfrm>
-            <a:off x="866281" y="842862"/>
+            <a:off x="866281" y="1330542"/>
             <a:ext cx="846387" cy="744114"/>
           </a:xfrm>
           <a:prstGeom prst="ellipse">
@@ -3397,7 +3406,7 @@
         </p:nvSpPr>
         <p:spPr>
           <a:xfrm>
-            <a:off x="866281" y="1934050"/>
+            <a:off x="866281" y="2421730"/>
             <a:ext cx="846387" cy="744114"/>
           </a:xfrm>
           <a:prstGeom prst="ellipse">
@@ -3457,14 +3466,14 @@
         </p:nvSpPr>
         <p:spPr>
           <a:xfrm>
-            <a:off x="837776" y="3025238"/>
+            <a:off x="837776" y="3512918"/>
             <a:ext cx="846387" cy="744114"/>
           </a:xfrm>
           <a:prstGeom prst="ellipse">
             <a:avLst/>
           </a:prstGeom>
           <a:solidFill>
-            <a:srgbClr val="FF0000"/>
+            <a:srgbClr val="FF5050"/>
           </a:solidFill>
           <a:ln>
             <a:noFill/>
@@ -3518,7 +3527,7 @@
         </p:nvSpPr>
         <p:spPr>
           <a:xfrm>
-            <a:off x="837775" y="4183415"/>
+            <a:off x="837775" y="4671095"/>
             <a:ext cx="846387" cy="744114"/>
           </a:xfrm>
           <a:prstGeom prst="ellipse">
@@ -3581,7 +3590,7 @@
         </p:nvCxnSpPr>
         <p:spPr>
           <a:xfrm>
-            <a:off x="1712668" y="1214919"/>
+            <a:off x="1712668" y="1702599"/>
             <a:ext cx="2826545" cy="1091188"/>
           </a:xfrm>
           <a:prstGeom prst="straightConnector1">
@@ -3626,7 +3635,7 @@
         </p:nvCxnSpPr>
         <p:spPr>
           <a:xfrm>
-            <a:off x="1712668" y="2306107"/>
+            <a:off x="1712668" y="2793787"/>
             <a:ext cx="2820085" cy="527182"/>
           </a:xfrm>
           <a:prstGeom prst="straightConnector1">
@@ -3671,7 +3680,7 @@
         </p:nvCxnSpPr>
         <p:spPr>
           <a:xfrm>
-            <a:off x="1684163" y="3397295"/>
+            <a:off x="1684163" y="3884975"/>
             <a:ext cx="2872721" cy="124279"/>
           </a:xfrm>
           <a:prstGeom prst="straightConnector1">
@@ -3716,7 +3725,7 @@
         </p:nvCxnSpPr>
         <p:spPr>
           <a:xfrm flipV="1">
-            <a:off x="1684162" y="3947437"/>
+            <a:off x="1684162" y="4435117"/>
             <a:ext cx="2848591" cy="608035"/>
           </a:xfrm>
           <a:prstGeom prst="straightConnector1">
@@ -3758,7 +3767,7 @@
         </p:nvSpPr>
         <p:spPr>
           <a:xfrm>
-            <a:off x="2320168" y="2092896"/>
+            <a:off x="2320168" y="2580576"/>
             <a:ext cx="679314" cy="650075"/>
           </a:xfrm>
           <a:prstGeom prst="foldedCorner">
@@ -3858,7 +3867,7 @@
         </p:nvSpPr>
         <p:spPr>
           <a:xfrm>
-            <a:off x="2388064" y="1169816"/>
+            <a:off x="2388064" y="1657496"/>
             <a:ext cx="630791" cy="685098"/>
           </a:xfrm>
           <a:prstGeom prst="foldedCorner">
@@ -3958,7 +3967,7 @@
         </p:nvSpPr>
         <p:spPr>
           <a:xfrm>
-            <a:off x="2351217" y="2981445"/>
+            <a:off x="2351217" y="3469125"/>
             <a:ext cx="635552" cy="718022"/>
           </a:xfrm>
           <a:prstGeom prst="foldedCorner">
@@ -4058,7 +4067,7 @@
         </p:nvSpPr>
         <p:spPr>
           <a:xfrm>
-            <a:off x="2306777" y="3947437"/>
+            <a:off x="2306777" y="4435117"/>
             <a:ext cx="635552" cy="744115"/>
           </a:xfrm>
           <a:prstGeom prst="foldedCorner">
@@ -4158,7 +4167,7 @@
         </p:nvGrpSpPr>
         <p:grpSpPr>
           <a:xfrm>
-            <a:off x="3812900" y="-18104"/>
+            <a:off x="3802014" y="298159"/>
             <a:ext cx="7995475" cy="6045619"/>
             <a:chOff x="3812900" y="-18104"/>
             <a:chExt cx="7995475" cy="6045619"/>
@@ -4375,7 +4384,7 @@
                   <a:prstGeom prst="straightConnector1">
                     <a:avLst/>
                   </a:prstGeom>
-                  <a:ln w="12700">
+                  <a:ln w="19050">
                     <a:tailEnd type="triangle"/>
                   </a:ln>
                 </p:spPr>
@@ -4409,14 +4418,14 @@
                   <p:nvPr/>
                 </p:nvCxnSpPr>
                 <p:spPr>
-                  <a:xfrm flipH="1">
-                    <a:off x="8677420" y="926289"/>
-                    <a:ext cx="1863742" cy="7875"/>
+                  <a:xfrm flipH="1" flipV="1">
+                    <a:off x="8677420" y="1076411"/>
+                    <a:ext cx="1646027" cy="11059"/>
                   </a:xfrm>
                   <a:prstGeom prst="straightConnector1">
                     <a:avLst/>
                   </a:prstGeom>
-                  <a:ln w="12700">
+                  <a:ln w="19050">
                     <a:tailEnd type="triangle"/>
                   </a:ln>
                 </p:spPr>
@@ -4482,7 +4491,7 @@
                   <a:lstStyle/>
                   <a:p>
                     <a:pPr algn="ctr"/>
-                    <a:endParaRPr lang="en-US"/>
+                    <a:endParaRPr lang="en-US" dirty="0"/>
                   </a:p>
                 </p:txBody>
               </p:sp>
@@ -4501,7 +4510,7 @@
                 <p:spPr>
                   <a:xfrm>
                     <a:off x="8460602" y="1432069"/>
-                    <a:ext cx="1443391" cy="697136"/>
+                    <a:ext cx="1443391" cy="541440"/>
                   </a:xfrm>
                   <a:prstGeom prst="rect">
                     <a:avLst/>
@@ -4558,8 +4567,8 @@
                 </p:nvSpPr>
                 <p:spPr>
                   <a:xfrm>
-                    <a:off x="8441832" y="2369214"/>
-                    <a:ext cx="1443391" cy="697136"/>
+                    <a:off x="8460601" y="2183274"/>
+                    <a:ext cx="1443391" cy="545174"/>
                   </a:xfrm>
                   <a:prstGeom prst="rect">
                     <a:avLst/>
@@ -4616,8 +4625,8 @@
                 </p:nvSpPr>
                 <p:spPr>
                   <a:xfrm>
-                    <a:off x="8427620" y="3382340"/>
-                    <a:ext cx="1443391" cy="697136"/>
+                    <a:off x="8460601" y="2966598"/>
+                    <a:ext cx="1443391" cy="532432"/>
                   </a:xfrm>
                   <a:prstGeom prst="rect">
                     <a:avLst/>
@@ -4691,7 +4700,7 @@
                 </p:nvSpPr>
                 <p:spPr>
                   <a:xfrm>
-                    <a:off x="8372835" y="4493934"/>
+                    <a:off x="8485014" y="3642669"/>
                     <a:ext cx="1443391" cy="614009"/>
                   </a:xfrm>
                   <a:prstGeom prst="rect">
@@ -4994,7 +5003,7 @@
                 </p:nvSpPr>
                 <p:spPr>
                   <a:xfrm>
-                    <a:off x="6716759" y="5016314"/>
+                    <a:off x="6388482" y="4993175"/>
                     <a:ext cx="1176065" cy="581891"/>
                   </a:xfrm>
                   <a:prstGeom prst="flowChartProcess">
@@ -5187,18 +5196,20 @@
                       </a:ext>
                     </a:extLst>
                   </p:cNvPr>
-                  <p:cNvCxnSpPr/>
+                  <p:cNvCxnSpPr>
+                    <a:cxnSpLocks/>
+                  </p:cNvCxnSpPr>
                   <p:nvPr/>
                 </p:nvCxnSpPr>
                 <p:spPr>
                   <a:xfrm>
-                    <a:off x="10541162" y="926289"/>
-                    <a:ext cx="0" cy="3866775"/>
+                    <a:off x="10323447" y="1076411"/>
+                    <a:ext cx="0" cy="2873263"/>
                   </a:xfrm>
                   <a:prstGeom prst="line">
                     <a:avLst/>
                   </a:prstGeom>
-                  <a:ln w="12700"/>
+                  <a:ln w="19050"/>
                 </p:spPr>
                 <p:style>
                   <a:lnRef idx="1">
@@ -5232,8 +5243,8 @@
                 </p:nvCxnSpPr>
                 <p:spPr>
                   <a:xfrm>
-                    <a:off x="9816226" y="4800939"/>
-                    <a:ext cx="724936" cy="0"/>
+                    <a:off x="9928405" y="3949674"/>
+                    <a:ext cx="395042" cy="0"/>
                   </a:xfrm>
                   <a:prstGeom prst="line">
                     <a:avLst/>
@@ -5271,9 +5282,9 @@
                   <p:nvPr/>
                 </p:nvCxnSpPr>
                 <p:spPr>
-                  <a:xfrm>
-                    <a:off x="9871011" y="3730908"/>
-                    <a:ext cx="670151" cy="0"/>
+                  <a:xfrm flipV="1">
+                    <a:off x="9903992" y="3229816"/>
+                    <a:ext cx="419455" cy="2998"/>
                   </a:xfrm>
                   <a:prstGeom prst="line">
                     <a:avLst/>
@@ -5312,12 +5323,12 @@
                 <p:spPr>
                   <a:xfrm>
                     <a:off x="10133261" y="1195486"/>
-                    <a:ext cx="0" cy="1664190"/>
+                    <a:ext cx="0" cy="1309567"/>
                   </a:xfrm>
                   <a:prstGeom prst="line">
                     <a:avLst/>
                   </a:prstGeom>
-                  <a:ln w="12700"/>
+                  <a:ln w="19050"/>
                 </p:spPr>
                 <p:style>
                   <a:lnRef idx="1">
@@ -5350,13 +5361,13 @@
                 </p:nvCxnSpPr>
                 <p:spPr>
                   <a:xfrm>
-                    <a:off x="9866930" y="2833289"/>
-                    <a:ext cx="266331" cy="0"/>
+                    <a:off x="9903992" y="2505053"/>
+                    <a:ext cx="229269" cy="0"/>
                   </a:xfrm>
                   <a:prstGeom prst="line">
                     <a:avLst/>
                   </a:prstGeom>
-                  <a:ln w="12700"/>
+                  <a:ln w="19050"/>
                 </p:spPr>
                 <p:style>
                   <a:lnRef idx="1">
@@ -5395,7 +5406,7 @@
                   <a:prstGeom prst="line">
                     <a:avLst/>
                   </a:prstGeom>
-                  <a:ln w="12700"/>
+                  <a:ln w="19050"/>
                 </p:spPr>
                 <p:style>
                   <a:lnRef idx="1">
@@ -5564,7 +5575,7 @@
                 <p:spPr>
                   <a:xfrm>
                     <a:off x="6584218" y="4221468"/>
-                    <a:ext cx="409185" cy="816621"/>
+                    <a:ext cx="200065" cy="769397"/>
                   </a:xfrm>
                   <a:prstGeom prst="straightConnector1">
                     <a:avLst/>
@@ -6087,8 +6098,8 @@
                 </p:nvCxnSpPr>
                 <p:spPr>
                   <a:xfrm>
-                    <a:off x="6584218" y="3722316"/>
-                    <a:ext cx="1788617" cy="1078623"/>
+                    <a:off x="6668494" y="3657344"/>
+                    <a:ext cx="1816520" cy="292330"/>
                   </a:xfrm>
                   <a:prstGeom prst="straightConnector1">
                     <a:avLst/>
@@ -6132,9 +6143,9 @@
                   <p:nvPr/>
                 </p:nvCxnSpPr>
                 <p:spPr>
-                  <a:xfrm>
-                    <a:off x="6642345" y="3441064"/>
-                    <a:ext cx="1785275" cy="289844"/>
+                  <a:xfrm flipV="1">
+                    <a:off x="6642345" y="3232814"/>
+                    <a:ext cx="1818256" cy="208250"/>
                   </a:xfrm>
                   <a:prstGeom prst="straightConnector1">
                     <a:avLst/>
@@ -6178,9 +6189,9 @@
                   <p:nvPr/>
                 </p:nvCxnSpPr>
                 <p:spPr>
-                  <a:xfrm>
-                    <a:off x="6668494" y="2606858"/>
-                    <a:ext cx="1773338" cy="110924"/>
+                  <a:xfrm flipV="1">
+                    <a:off x="6668494" y="2455861"/>
+                    <a:ext cx="1792107" cy="150997"/>
                   </a:xfrm>
                   <a:prstGeom prst="straightConnector1">
                     <a:avLst/>
@@ -6224,8 +6235,8 @@
                 </p:nvCxnSpPr>
                 <p:spPr>
                   <a:xfrm flipV="1">
-                    <a:off x="6642345" y="1780637"/>
-                    <a:ext cx="1818257" cy="626993"/>
+                    <a:off x="6642345" y="1702789"/>
+                    <a:ext cx="1818257" cy="704842"/>
                   </a:xfrm>
                   <a:prstGeom prst="straightConnector1">
                     <a:avLst/>
@@ -6406,7 +6417,9 @@
             <a:prstGeom prst="rect">
               <a:avLst/>
             </a:prstGeom>
-            <a:noFill/>
+            <a:solidFill>
+              <a:schemeClr val="bg1"/>
+            </a:solidFill>
             <a:ln>
               <a:solidFill>
                 <a:srgbClr val="FF0000"/>
@@ -6474,7 +6487,7 @@
         </p:nvCxnSpPr>
         <p:spPr>
           <a:xfrm flipV="1">
-            <a:off x="6260276" y="1999716"/>
+            <a:off x="6294065" y="2315979"/>
             <a:ext cx="0" cy="223352"/>
           </a:xfrm>
           <a:prstGeom prst="straightConnector1">
@@ -6519,7 +6532,7 @@
         </p:nvCxnSpPr>
         <p:spPr>
           <a:xfrm flipV="1">
-            <a:off x="6315935" y="1311505"/>
+            <a:off x="6305049" y="1627768"/>
             <a:ext cx="557959" cy="275471"/>
           </a:xfrm>
           <a:prstGeom prst="straightConnector1">
@@ -6577,206 +6590,300 @@
           <a:chExt cx="0" cy="0"/>
         </a:xfrm>
       </p:grpSpPr>
-      <p:cxnSp>
-        <p:nvCxnSpPr>
-          <p:cNvPr id="12" name="Straight Arrow Connector 11">
+      <p:grpSp>
+        <p:nvGrpSpPr>
+          <p:cNvPr id="11" name="Group 10">
             <a:extLst>
               <a:ext uri="{FF2B5EF4-FFF2-40B4-BE49-F238E27FC236}">
-                <a16:creationId xmlns:a16="http://schemas.microsoft.com/office/drawing/2014/main" id="{0AA6884B-C031-48DF-818E-C7F1700C8903}"/>
+                <a16:creationId xmlns:a16="http://schemas.microsoft.com/office/drawing/2014/main" id="{64855CD3-F6AA-46A3-B52C-DFDADC12A360}"/>
               </a:ext>
             </a:extLst>
           </p:cNvPr>
-          <p:cNvCxnSpPr>
-            <a:stCxn id="3" idx="6"/>
-            <a:endCxn id="5" idx="1"/>
-          </p:cNvCxnSpPr>
+          <p:cNvGrpSpPr/>
           <p:nvPr/>
-        </p:nvCxnSpPr>
-        <p:spPr>
-          <a:xfrm flipV="1">
-            <a:off x="1602088" y="1856544"/>
-            <a:ext cx="1141110" cy="5074"/>
+        </p:nvGrpSpPr>
+        <p:grpSpPr>
+          <a:xfrm>
+            <a:off x="991229" y="1551871"/>
+            <a:ext cx="9741005" cy="3385733"/>
+            <a:chOff x="838829" y="586671"/>
+            <a:chExt cx="9741005" cy="3385733"/>
           </a:xfrm>
-          <a:prstGeom prst="straightConnector1">
-            <a:avLst/>
-          </a:prstGeom>
-          <a:ln>
-            <a:tailEnd type="triangle"/>
-          </a:ln>
-        </p:spPr>
-        <p:style>
-          <a:lnRef idx="1">
-            <a:schemeClr val="accent1"/>
-          </a:lnRef>
-          <a:fillRef idx="0">
-            <a:schemeClr val="accent1"/>
-          </a:fillRef>
-          <a:effectRef idx="0">
-            <a:schemeClr val="accent1"/>
-          </a:effectRef>
-          <a:fontRef idx="minor">
-            <a:schemeClr val="tx1"/>
-          </a:fontRef>
-        </p:style>
-      </p:cxnSp>
-      <p:sp>
-        <p:nvSpPr>
-          <p:cNvPr id="2" name="Flowchart: Process 1">
-            <a:extLst>
-              <a:ext uri="{FF2B5EF4-FFF2-40B4-BE49-F238E27FC236}">
-                <a16:creationId xmlns:a16="http://schemas.microsoft.com/office/drawing/2014/main" id="{058DAB04-60DB-418C-9B86-37D69BCD332B}"/>
-              </a:ext>
-            </a:extLst>
-          </p:cNvPr>
-          <p:cNvSpPr/>
-          <p:nvPr/>
-        </p:nvSpPr>
-        <p:spPr>
-          <a:xfrm>
-            <a:off x="5025420" y="1385525"/>
-            <a:ext cx="1481177" cy="942037"/>
-          </a:xfrm>
-          <a:prstGeom prst="flowChartProcess">
-            <a:avLst/>
-          </a:prstGeom>
-        </p:spPr>
-        <p:style>
-          <a:lnRef idx="2">
-            <a:schemeClr val="accent1">
-              <a:shade val="50000"/>
-            </a:schemeClr>
-          </a:lnRef>
-          <a:fillRef idx="1">
-            <a:schemeClr val="accent1"/>
-          </a:fillRef>
-          <a:effectRef idx="0">
-            <a:schemeClr val="accent1"/>
-          </a:effectRef>
-          <a:fontRef idx="minor">
-            <a:schemeClr val="lt1"/>
-          </a:fontRef>
-        </p:style>
-        <p:txBody>
-          <a:bodyPr rtlCol="0" anchor="ctr"/>
-          <a:lstStyle/>
-          <a:p>
-            <a:pPr algn="ctr"/>
-            <a:r>
-              <a:rPr lang="en-AU" sz="1400" dirty="0"/>
-              <a:t>Gateway </a:t>
-            </a:r>
-          </a:p>
-          <a:p>
-            <a:pPr algn="ctr"/>
-            <a:r>
-              <a:rPr lang="en-AU" sz="1400" dirty="0"/>
-              <a:t>Router</a:t>
-            </a:r>
-            <a:endParaRPr lang="en-US" sz="1400" dirty="0"/>
-          </a:p>
-        </p:txBody>
-      </p:sp>
-      <p:sp>
-        <p:nvSpPr>
-          <p:cNvPr id="3" name="Oval 2">
-            <a:extLst>
-              <a:ext uri="{FF2B5EF4-FFF2-40B4-BE49-F238E27FC236}">
-                <a16:creationId xmlns:a16="http://schemas.microsoft.com/office/drawing/2014/main" id="{192CB335-DECD-49DD-8703-79DA46D2F84E}"/>
-              </a:ext>
-            </a:extLst>
-          </p:cNvPr>
-          <p:cNvSpPr/>
-          <p:nvPr/>
-        </p:nvSpPr>
-        <p:spPr>
-          <a:xfrm>
-            <a:off x="838829" y="1513995"/>
-            <a:ext cx="763259" cy="695246"/>
-          </a:xfrm>
-          <a:prstGeom prst="ellipse">
-            <a:avLst/>
-          </a:prstGeom>
-        </p:spPr>
-        <p:style>
-          <a:lnRef idx="2">
-            <a:schemeClr val="accent1">
-              <a:shade val="50000"/>
-            </a:schemeClr>
-          </a:lnRef>
-          <a:fillRef idx="1">
-            <a:schemeClr val="accent1"/>
-          </a:fillRef>
-          <a:effectRef idx="0">
-            <a:schemeClr val="accent1"/>
-          </a:effectRef>
-          <a:fontRef idx="minor">
-            <a:schemeClr val="lt1"/>
-          </a:fontRef>
-        </p:style>
-        <p:txBody>
-          <a:bodyPr rtlCol="0" anchor="ctr"/>
-          <a:lstStyle/>
-          <a:p>
-            <a:pPr algn="ctr"/>
-            <a:r>
-              <a:rPr lang="en-AU" sz="1100" dirty="0"/>
-              <a:t>Client</a:t>
-            </a:r>
-            <a:endParaRPr lang="en-US" sz="1100" dirty="0"/>
-          </a:p>
-        </p:txBody>
-      </p:sp>
-      <p:sp>
-        <p:nvSpPr>
-          <p:cNvPr id="4" name="Rectangle: Folded Corner 3">
-            <a:extLst>
-              <a:ext uri="{FF2B5EF4-FFF2-40B4-BE49-F238E27FC236}">
-                <a16:creationId xmlns:a16="http://schemas.microsoft.com/office/drawing/2014/main" id="{00922F6C-680A-46FE-985F-862689E80A5D}"/>
-              </a:ext>
-            </a:extLst>
-          </p:cNvPr>
-          <p:cNvSpPr/>
-          <p:nvPr/>
-        </p:nvSpPr>
-        <p:spPr>
-          <a:xfrm>
-            <a:off x="1780418" y="1385525"/>
-            <a:ext cx="630791" cy="685098"/>
-          </a:xfrm>
-          <a:prstGeom prst="foldedCorner">
-            <a:avLst>
-              <a:gd name="adj" fmla="val 34027"/>
-            </a:avLst>
-          </a:prstGeom>
-          <a:effectLst>
-            <a:outerShdw blurRad="50800" dist="38100" dir="2700000" algn="tl" rotWithShape="0">
-              <a:prstClr val="black">
-                <a:alpha val="40000"/>
-              </a:prstClr>
-            </a:outerShdw>
-          </a:effectLst>
-        </p:spPr>
-        <p:style>
-          <a:lnRef idx="2">
-            <a:schemeClr val="accent5"/>
-          </a:lnRef>
-          <a:fillRef idx="1">
-            <a:schemeClr val="lt1"/>
-          </a:fillRef>
-          <a:effectRef idx="0">
-            <a:schemeClr val="accent5"/>
-          </a:effectRef>
-          <a:fontRef idx="minor">
-            <a:schemeClr val="dk1"/>
-          </a:fontRef>
-        </p:style>
-        <p:txBody>
-          <a:bodyPr rtlCol="0" anchor="ctr"/>
-          <a:lstStyle/>
-          <a:p>
-            <a:pPr algn="ctr"/>
-            <a:r>
-              <a:rPr lang="en-AU" sz="1100" dirty="0">
+        </p:grpSpPr>
+        <p:cxnSp>
+          <p:nvCxnSpPr>
+            <p:cNvPr id="12" name="Straight Arrow Connector 11">
+              <a:extLst>
+                <a:ext uri="{FF2B5EF4-FFF2-40B4-BE49-F238E27FC236}">
+                  <a16:creationId xmlns:a16="http://schemas.microsoft.com/office/drawing/2014/main" id="{0AA6884B-C031-48DF-818E-C7F1700C8903}"/>
+                </a:ext>
+              </a:extLst>
+            </p:cNvPr>
+            <p:cNvCxnSpPr>
+              <a:stCxn id="3" idx="6"/>
+              <a:endCxn id="5" idx="1"/>
+            </p:cNvCxnSpPr>
+            <p:nvPr/>
+          </p:nvCxnSpPr>
+          <p:spPr>
+            <a:xfrm flipV="1">
+              <a:off x="1602088" y="1856544"/>
+              <a:ext cx="1141110" cy="5074"/>
+            </a:xfrm>
+            <a:prstGeom prst="straightConnector1">
+              <a:avLst/>
+            </a:prstGeom>
+            <a:ln>
+              <a:tailEnd type="triangle"/>
+            </a:ln>
+          </p:spPr>
+          <p:style>
+            <a:lnRef idx="1">
+              <a:schemeClr val="accent1"/>
+            </a:lnRef>
+            <a:fillRef idx="0">
+              <a:schemeClr val="accent1"/>
+            </a:fillRef>
+            <a:effectRef idx="0">
+              <a:schemeClr val="accent1"/>
+            </a:effectRef>
+            <a:fontRef idx="minor">
+              <a:schemeClr val="tx1"/>
+            </a:fontRef>
+          </p:style>
+        </p:cxnSp>
+        <p:sp>
+          <p:nvSpPr>
+            <p:cNvPr id="2" name="Flowchart: Process 1">
+              <a:extLst>
+                <a:ext uri="{FF2B5EF4-FFF2-40B4-BE49-F238E27FC236}">
+                  <a16:creationId xmlns:a16="http://schemas.microsoft.com/office/drawing/2014/main" id="{058DAB04-60DB-418C-9B86-37D69BCD332B}"/>
+                </a:ext>
+              </a:extLst>
+            </p:cNvPr>
+            <p:cNvSpPr/>
+            <p:nvPr/>
+          </p:nvSpPr>
+          <p:spPr>
+            <a:xfrm>
+              <a:off x="5025420" y="1385525"/>
+              <a:ext cx="1481177" cy="942037"/>
+            </a:xfrm>
+            <a:prstGeom prst="flowChartProcess">
+              <a:avLst/>
+            </a:prstGeom>
+            <a:ln>
+              <a:noFill/>
+            </a:ln>
+            <a:effectLst>
+              <a:outerShdw blurRad="50800" dist="38100" dir="2700000" algn="tl" rotWithShape="0">
+                <a:prstClr val="black">
+                  <a:alpha val="40000"/>
+                </a:prstClr>
+              </a:outerShdw>
+            </a:effectLst>
+          </p:spPr>
+          <p:style>
+            <a:lnRef idx="2">
+              <a:schemeClr val="accent1">
+                <a:shade val="50000"/>
+              </a:schemeClr>
+            </a:lnRef>
+            <a:fillRef idx="1">
+              <a:schemeClr val="accent1"/>
+            </a:fillRef>
+            <a:effectRef idx="0">
+              <a:schemeClr val="accent1"/>
+            </a:effectRef>
+            <a:fontRef idx="minor">
+              <a:schemeClr val="lt1"/>
+            </a:fontRef>
+          </p:style>
+          <p:txBody>
+            <a:bodyPr rtlCol="0" anchor="ctr"/>
+            <a:lstStyle/>
+            <a:p>
+              <a:pPr algn="ctr"/>
+              <a:r>
+                <a:rPr lang="en-AU" sz="1400" dirty="0">
+                  <a:solidFill>
+                    <a:schemeClr val="bg1"/>
+                  </a:solidFill>
+                </a:rPr>
+                <a:t>Gateway </a:t>
+              </a:r>
+            </a:p>
+            <a:p>
+              <a:pPr algn="ctr"/>
+              <a:r>
+                <a:rPr lang="en-AU" sz="1400" dirty="0">
+                  <a:solidFill>
+                    <a:schemeClr val="bg1"/>
+                  </a:solidFill>
+                </a:rPr>
+                <a:t>Router</a:t>
+              </a:r>
+              <a:endParaRPr lang="en-US" sz="1400" dirty="0">
+                <a:solidFill>
+                  <a:schemeClr val="bg1"/>
+                </a:solidFill>
+              </a:endParaRPr>
+            </a:p>
+          </p:txBody>
+        </p:sp>
+        <p:sp>
+          <p:nvSpPr>
+            <p:cNvPr id="3" name="Oval 2">
+              <a:extLst>
+                <a:ext uri="{FF2B5EF4-FFF2-40B4-BE49-F238E27FC236}">
+                  <a16:creationId xmlns:a16="http://schemas.microsoft.com/office/drawing/2014/main" id="{192CB335-DECD-49DD-8703-79DA46D2F84E}"/>
+                </a:ext>
+              </a:extLst>
+            </p:cNvPr>
+            <p:cNvSpPr/>
+            <p:nvPr/>
+          </p:nvSpPr>
+          <p:spPr>
+            <a:xfrm>
+              <a:off x="838829" y="1513995"/>
+              <a:ext cx="763259" cy="695246"/>
+            </a:xfrm>
+            <a:prstGeom prst="ellipse">
+              <a:avLst/>
+            </a:prstGeom>
+            <a:ln>
+              <a:noFill/>
+            </a:ln>
+            <a:effectLst>
+              <a:outerShdw blurRad="50800" dist="38100" dir="2700000" algn="tl" rotWithShape="0">
+                <a:prstClr val="black">
+                  <a:alpha val="40000"/>
+                </a:prstClr>
+              </a:outerShdw>
+            </a:effectLst>
+          </p:spPr>
+          <p:style>
+            <a:lnRef idx="2">
+              <a:schemeClr val="accent1">
+                <a:shade val="50000"/>
+              </a:schemeClr>
+            </a:lnRef>
+            <a:fillRef idx="1">
+              <a:schemeClr val="accent1"/>
+            </a:fillRef>
+            <a:effectRef idx="0">
+              <a:schemeClr val="accent1"/>
+            </a:effectRef>
+            <a:fontRef idx="minor">
+              <a:schemeClr val="lt1"/>
+            </a:fontRef>
+          </p:style>
+          <p:txBody>
+            <a:bodyPr rtlCol="0" anchor="ctr"/>
+            <a:lstStyle/>
+            <a:p>
+              <a:pPr algn="ctr"/>
+              <a:r>
+                <a:rPr lang="en-AU" sz="1100" dirty="0">
+                  <a:solidFill>
+                    <a:schemeClr val="bg1"/>
+                  </a:solidFill>
+                </a:rPr>
+                <a:t>Client</a:t>
+              </a:r>
+              <a:endParaRPr lang="en-US" sz="1100" dirty="0">
+                <a:solidFill>
+                  <a:schemeClr val="bg1"/>
+                </a:solidFill>
+              </a:endParaRPr>
+            </a:p>
+          </p:txBody>
+        </p:sp>
+        <p:sp>
+          <p:nvSpPr>
+            <p:cNvPr id="4" name="Rectangle: Folded Corner 3">
+              <a:extLst>
+                <a:ext uri="{FF2B5EF4-FFF2-40B4-BE49-F238E27FC236}">
+                  <a16:creationId xmlns:a16="http://schemas.microsoft.com/office/drawing/2014/main" id="{00922F6C-680A-46FE-985F-862689E80A5D}"/>
+                </a:ext>
+              </a:extLst>
+            </p:cNvPr>
+            <p:cNvSpPr/>
+            <p:nvPr/>
+          </p:nvSpPr>
+          <p:spPr>
+            <a:xfrm>
+              <a:off x="1780418" y="1385525"/>
+              <a:ext cx="630791" cy="685098"/>
+            </a:xfrm>
+            <a:prstGeom prst="foldedCorner">
+              <a:avLst>
+                <a:gd name="adj" fmla="val 34027"/>
+              </a:avLst>
+            </a:prstGeom>
+            <a:effectLst>
+              <a:outerShdw blurRad="50800" dist="38100" dir="2700000" algn="tl" rotWithShape="0">
+                <a:prstClr val="black">
+                  <a:alpha val="40000"/>
+                </a:prstClr>
+              </a:outerShdw>
+            </a:effectLst>
+          </p:spPr>
+          <p:style>
+            <a:lnRef idx="2">
+              <a:schemeClr val="accent5"/>
+            </a:lnRef>
+            <a:fillRef idx="1">
+              <a:schemeClr val="lt1"/>
+            </a:fillRef>
+            <a:effectRef idx="0">
+              <a:schemeClr val="accent5"/>
+            </a:effectRef>
+            <a:fontRef idx="minor">
+              <a:schemeClr val="dk1"/>
+            </a:fontRef>
+          </p:style>
+          <p:txBody>
+            <a:bodyPr rtlCol="0" anchor="ctr"/>
+            <a:lstStyle/>
+            <a:p>
+              <a:pPr algn="ctr"/>
+              <a:r>
+                <a:rPr lang="en-AU" sz="1100" dirty="0">
+                  <a:ln w="0"/>
+                  <a:solidFill>
+                    <a:schemeClr val="accent1"/>
+                  </a:solidFill>
+                  <a:effectLst>
+                    <a:outerShdw blurRad="38100" dist="25400" dir="5400000" algn="ctr" rotWithShape="0">
+                      <a:srgbClr val="6E747A">
+                        <a:alpha val="43000"/>
+                      </a:srgbClr>
+                    </a:outerShdw>
+                  </a:effectLst>
+                </a:rPr>
+                <a:t>Invoice</a:t>
+              </a:r>
+            </a:p>
+            <a:p>
+              <a:pPr algn="ctr"/>
+              <a:r>
+                <a:rPr lang="en-AU" sz="1100" dirty="0">
+                  <a:ln w="0"/>
+                  <a:solidFill>
+                    <a:schemeClr val="accent1"/>
+                  </a:solidFill>
+                  <a:effectLst>
+                    <a:outerShdw blurRad="38100" dist="25400" dir="5400000" algn="ctr" rotWithShape="0">
+                      <a:srgbClr val="6E747A">
+                        <a:alpha val="43000"/>
+                      </a:srgbClr>
+                    </a:outerShdw>
+                  </a:effectLst>
+                </a:rPr>
+                <a:t>input</a:t>
+              </a:r>
+              <a:endParaRPr lang="en-US" sz="1100" dirty="0">
                 <a:ln w="0"/>
                 <a:solidFill>
                   <a:schemeClr val="accent1"/>
@@ -6788,50 +6895,1131 @@
                     </a:srgbClr>
                   </a:outerShdw>
                 </a:effectLst>
-              </a:rPr>
-              <a:t>Invoice</a:t>
-            </a:r>
-          </a:p>
-          <a:p>
-            <a:pPr algn="ctr"/>
-            <a:r>
-              <a:rPr lang="en-AU" sz="1100" dirty="0">
-                <a:ln w="0"/>
+              </a:endParaRPr>
+            </a:p>
+          </p:txBody>
+        </p:sp>
+        <p:sp>
+          <p:nvSpPr>
+            <p:cNvPr id="5" name="Flowchart: Decision 4">
+              <a:extLst>
+                <a:ext uri="{FF2B5EF4-FFF2-40B4-BE49-F238E27FC236}">
+                  <a16:creationId xmlns:a16="http://schemas.microsoft.com/office/drawing/2014/main" id="{DC5C5360-A7EF-4703-91CE-567A2F88EC1B}"/>
+                </a:ext>
+              </a:extLst>
+            </p:cNvPr>
+            <p:cNvSpPr/>
+            <p:nvPr/>
+          </p:nvSpPr>
+          <p:spPr>
+            <a:xfrm>
+              <a:off x="2743198" y="1513995"/>
+              <a:ext cx="1866587" cy="685098"/>
+            </a:xfrm>
+            <a:prstGeom prst="flowChartDecision">
+              <a:avLst/>
+            </a:prstGeom>
+            <a:ln>
+              <a:noFill/>
+            </a:ln>
+            <a:effectLst>
+              <a:outerShdw blurRad="50800" dist="38100" dir="2700000" algn="tl" rotWithShape="0">
+                <a:prstClr val="black">
+                  <a:alpha val="40000"/>
+                </a:prstClr>
+              </a:outerShdw>
+            </a:effectLst>
+          </p:spPr>
+          <p:style>
+            <a:lnRef idx="2">
+              <a:schemeClr val="accent4">
+                <a:shade val="50000"/>
+              </a:schemeClr>
+            </a:lnRef>
+            <a:fillRef idx="1">
+              <a:schemeClr val="accent4"/>
+            </a:fillRef>
+            <a:effectRef idx="0">
+              <a:schemeClr val="accent4"/>
+            </a:effectRef>
+            <a:fontRef idx="minor">
+              <a:schemeClr val="lt1"/>
+            </a:fontRef>
+          </p:style>
+          <p:txBody>
+            <a:bodyPr rtlCol="0" anchor="ctr"/>
+            <a:lstStyle/>
+            <a:p>
+              <a:pPr algn="ctr"/>
+              <a:r>
+                <a:rPr lang="en-AU" sz="1000" dirty="0">
+                  <a:solidFill>
+                    <a:schemeClr val="bg1"/>
+                  </a:solidFill>
+                </a:rPr>
+                <a:t>Authenticated?</a:t>
+              </a:r>
+              <a:endParaRPr lang="en-US" sz="1000" dirty="0">
                 <a:solidFill>
-                  <a:schemeClr val="accent1"/>
+                  <a:schemeClr val="bg1"/>
                 </a:solidFill>
-                <a:effectLst>
-                  <a:outerShdw blurRad="38100" dist="25400" dir="5400000" algn="ctr" rotWithShape="0">
-                    <a:srgbClr val="6E747A">
-                      <a:alpha val="43000"/>
-                    </a:srgbClr>
-                  </a:outerShdw>
-                </a:effectLst>
-              </a:rPr>
-              <a:t>input</a:t>
-            </a:r>
-            <a:endParaRPr lang="en-US" sz="1100" dirty="0">
-              <a:ln w="0"/>
+              </a:endParaRPr>
+            </a:p>
+          </p:txBody>
+        </p:sp>
+        <p:sp>
+          <p:nvSpPr>
+            <p:cNvPr id="6" name="Flowchart: Predefined Process 5">
+              <a:extLst>
+                <a:ext uri="{FF2B5EF4-FFF2-40B4-BE49-F238E27FC236}">
+                  <a16:creationId xmlns:a16="http://schemas.microsoft.com/office/drawing/2014/main" id="{2C99CFD9-1B63-4D58-8E3E-B02EE85BDF85}"/>
+                </a:ext>
+              </a:extLst>
+            </p:cNvPr>
+            <p:cNvSpPr/>
+            <p:nvPr/>
+          </p:nvSpPr>
+          <p:spPr>
+            <a:xfrm>
+              <a:off x="5127439" y="3287306"/>
+              <a:ext cx="1277137" cy="685098"/>
+            </a:xfrm>
+            <a:prstGeom prst="flowChartPredefinedProcess">
+              <a:avLst/>
+            </a:prstGeom>
+            <a:effectLst>
+              <a:outerShdw blurRad="50800" dist="38100" dir="2700000" algn="tl" rotWithShape="0">
+                <a:prstClr val="black">
+                  <a:alpha val="40000"/>
+                </a:prstClr>
+              </a:outerShdw>
+            </a:effectLst>
+          </p:spPr>
+          <p:style>
+            <a:lnRef idx="2">
+              <a:schemeClr val="accent1"/>
+            </a:lnRef>
+            <a:fillRef idx="1">
+              <a:schemeClr val="lt1"/>
+            </a:fillRef>
+            <a:effectRef idx="0">
+              <a:schemeClr val="accent1"/>
+            </a:effectRef>
+            <a:fontRef idx="minor">
+              <a:schemeClr val="dk1"/>
+            </a:fontRef>
+          </p:style>
+          <p:txBody>
+            <a:bodyPr rtlCol="0" anchor="ctr"/>
+            <a:lstStyle/>
+            <a:p>
+              <a:pPr algn="ctr"/>
+              <a:r>
+                <a:rPr lang="en-AU" sz="1400" dirty="0">
+                  <a:solidFill>
+                    <a:schemeClr val="tx1"/>
+                  </a:solidFill>
+                </a:rPr>
+                <a:t>Rules Engine</a:t>
+              </a:r>
+              <a:endParaRPr lang="en-US" sz="1400" dirty="0">
+                <a:solidFill>
+                  <a:schemeClr val="tx1"/>
+                </a:solidFill>
+              </a:endParaRPr>
+            </a:p>
+          </p:txBody>
+        </p:sp>
+        <p:sp>
+          <p:nvSpPr>
+            <p:cNvPr id="7" name="Flowchart: Process 6">
+              <a:extLst>
+                <a:ext uri="{FF2B5EF4-FFF2-40B4-BE49-F238E27FC236}">
+                  <a16:creationId xmlns:a16="http://schemas.microsoft.com/office/drawing/2014/main" id="{77E46E74-AEDB-4F91-9248-545B7398EFF2}"/>
+                </a:ext>
+              </a:extLst>
+            </p:cNvPr>
+            <p:cNvSpPr/>
+            <p:nvPr/>
+          </p:nvSpPr>
+          <p:spPr>
+            <a:xfrm>
+              <a:off x="7164057" y="1367821"/>
+              <a:ext cx="1481177" cy="544106"/>
+            </a:xfrm>
+            <a:prstGeom prst="flowChartProcess">
+              <a:avLst/>
+            </a:prstGeom>
+            <a:ln>
+              <a:noFill/>
+            </a:ln>
+            <a:effectLst>
+              <a:outerShdw blurRad="50800" dist="38100" dir="2700000" algn="tl" rotWithShape="0">
+                <a:prstClr val="black">
+                  <a:alpha val="40000"/>
+                </a:prstClr>
+              </a:outerShdw>
+            </a:effectLst>
+          </p:spPr>
+          <p:style>
+            <a:lnRef idx="2">
+              <a:schemeClr val="accent2">
+                <a:shade val="50000"/>
+              </a:schemeClr>
+            </a:lnRef>
+            <a:fillRef idx="1">
+              <a:schemeClr val="accent2"/>
+            </a:fillRef>
+            <a:effectRef idx="0">
+              <a:schemeClr val="accent2"/>
+            </a:effectRef>
+            <a:fontRef idx="minor">
+              <a:schemeClr val="lt1"/>
+            </a:fontRef>
+          </p:style>
+          <p:txBody>
+            <a:bodyPr rtlCol="0" anchor="ctr"/>
+            <a:lstStyle/>
+            <a:p>
+              <a:pPr algn="ctr"/>
+              <a:r>
+                <a:rPr lang="en-AU" sz="1400" dirty="0">
+                  <a:solidFill>
+                    <a:schemeClr val="bg1"/>
+                  </a:solidFill>
+                </a:rPr>
+                <a:t>REST Client A</a:t>
+              </a:r>
+              <a:endParaRPr lang="en-US" sz="1400" dirty="0">
+                <a:solidFill>
+                  <a:schemeClr val="bg1"/>
+                </a:solidFill>
+              </a:endParaRPr>
+            </a:p>
+          </p:txBody>
+        </p:sp>
+        <p:sp>
+          <p:nvSpPr>
+            <p:cNvPr id="8" name="Flowchart: Process 7">
+              <a:extLst>
+                <a:ext uri="{FF2B5EF4-FFF2-40B4-BE49-F238E27FC236}">
+                  <a16:creationId xmlns:a16="http://schemas.microsoft.com/office/drawing/2014/main" id="{04035560-E207-483E-969F-08DD3B1AFD3C}"/>
+                </a:ext>
+              </a:extLst>
+            </p:cNvPr>
+            <p:cNvSpPr/>
+            <p:nvPr/>
+          </p:nvSpPr>
+          <p:spPr>
+            <a:xfrm>
+              <a:off x="9514294" y="1322479"/>
+              <a:ext cx="1065540" cy="642347"/>
+            </a:xfrm>
+            <a:prstGeom prst="flowChartProcess">
+              <a:avLst/>
+            </a:prstGeom>
+            <a:ln>
+              <a:noFill/>
+            </a:ln>
+            <a:effectLst>
+              <a:outerShdw blurRad="50800" dist="38100" dir="2700000" algn="tl" rotWithShape="0">
+                <a:prstClr val="black">
+                  <a:alpha val="40000"/>
+                </a:prstClr>
+              </a:outerShdw>
+            </a:effectLst>
+          </p:spPr>
+          <p:style>
+            <a:lnRef idx="2">
+              <a:schemeClr val="accent2">
+                <a:shade val="50000"/>
+              </a:schemeClr>
+            </a:lnRef>
+            <a:fillRef idx="1">
+              <a:schemeClr val="accent2"/>
+            </a:fillRef>
+            <a:effectRef idx="0">
+              <a:schemeClr val="accent2"/>
+            </a:effectRef>
+            <a:fontRef idx="minor">
+              <a:schemeClr val="lt1"/>
+            </a:fontRef>
+          </p:style>
+          <p:txBody>
+            <a:bodyPr rtlCol="0" anchor="ctr"/>
+            <a:lstStyle/>
+            <a:p>
+              <a:pPr algn="ctr"/>
+              <a:r>
+                <a:rPr lang="en-AU" sz="1400" dirty="0">
+                  <a:solidFill>
+                    <a:schemeClr val="bg1"/>
+                  </a:solidFill>
+                </a:rPr>
+                <a:t>Gateway A</a:t>
+              </a:r>
+              <a:endParaRPr lang="en-US" sz="1400" dirty="0">
+                <a:solidFill>
+                  <a:schemeClr val="bg1"/>
+                </a:solidFill>
+              </a:endParaRPr>
+            </a:p>
+          </p:txBody>
+        </p:sp>
+        <p:sp>
+          <p:nvSpPr>
+            <p:cNvPr id="9" name="Flowchart: Process 8">
+              <a:extLst>
+                <a:ext uri="{FF2B5EF4-FFF2-40B4-BE49-F238E27FC236}">
+                  <a16:creationId xmlns:a16="http://schemas.microsoft.com/office/drawing/2014/main" id="{870C1EF6-3862-472E-8D60-24BC68788A20}"/>
+                </a:ext>
+              </a:extLst>
+            </p:cNvPr>
+            <p:cNvSpPr/>
+            <p:nvPr/>
+          </p:nvSpPr>
+          <p:spPr>
+            <a:xfrm>
+              <a:off x="9514294" y="2510227"/>
+              <a:ext cx="1065540" cy="642347"/>
+            </a:xfrm>
+            <a:prstGeom prst="flowChartProcess">
+              <a:avLst/>
+            </a:prstGeom>
+            <a:solidFill>
+              <a:schemeClr val="accent6">
+                <a:lumMod val="60000"/>
+                <a:lumOff val="40000"/>
+              </a:schemeClr>
+            </a:solidFill>
+            <a:ln>
+              <a:noFill/>
+            </a:ln>
+            <a:effectLst>
+              <a:outerShdw blurRad="50800" dist="38100" dir="2700000" algn="tl" rotWithShape="0">
+                <a:prstClr val="black">
+                  <a:alpha val="40000"/>
+                </a:prstClr>
+              </a:outerShdw>
+            </a:effectLst>
+          </p:spPr>
+          <p:style>
+            <a:lnRef idx="2">
+              <a:schemeClr val="accent6">
+                <a:shade val="50000"/>
+              </a:schemeClr>
+            </a:lnRef>
+            <a:fillRef idx="1">
+              <a:schemeClr val="accent6"/>
+            </a:fillRef>
+            <a:effectRef idx="0">
+              <a:schemeClr val="accent6"/>
+            </a:effectRef>
+            <a:fontRef idx="minor">
+              <a:schemeClr val="lt1"/>
+            </a:fontRef>
+          </p:style>
+          <p:txBody>
+            <a:bodyPr rtlCol="0" anchor="ctr"/>
+            <a:lstStyle/>
+            <a:p>
+              <a:pPr algn="ctr"/>
+              <a:r>
+                <a:rPr lang="en-AU" sz="1400" dirty="0">
+                  <a:solidFill>
+                    <a:schemeClr val="bg1"/>
+                  </a:solidFill>
+                </a:rPr>
+                <a:t>Gateway B</a:t>
+              </a:r>
+              <a:endParaRPr lang="en-US" sz="1400" dirty="0">
+                <a:solidFill>
+                  <a:schemeClr val="bg1"/>
+                </a:solidFill>
+              </a:endParaRPr>
+            </a:p>
+          </p:txBody>
+        </p:sp>
+        <p:sp>
+          <p:nvSpPr>
+            <p:cNvPr id="10" name="Flowchart: Process 9">
+              <a:extLst>
+                <a:ext uri="{FF2B5EF4-FFF2-40B4-BE49-F238E27FC236}">
+                  <a16:creationId xmlns:a16="http://schemas.microsoft.com/office/drawing/2014/main" id="{418FB826-8FF4-4819-9A7D-C35EAD24FD25}"/>
+                </a:ext>
+              </a:extLst>
+            </p:cNvPr>
+            <p:cNvSpPr/>
+            <p:nvPr/>
+          </p:nvSpPr>
+          <p:spPr>
+            <a:xfrm>
+              <a:off x="7164056" y="2559348"/>
+              <a:ext cx="1481177" cy="544106"/>
+            </a:xfrm>
+            <a:prstGeom prst="flowChartProcess">
+              <a:avLst/>
+            </a:prstGeom>
+            <a:solidFill>
+              <a:schemeClr val="accent6">
+                <a:lumMod val="60000"/>
+                <a:lumOff val="40000"/>
+              </a:schemeClr>
+            </a:solidFill>
+            <a:ln>
+              <a:noFill/>
+            </a:ln>
+            <a:effectLst>
+              <a:outerShdw blurRad="50800" dist="38100" dir="2700000" algn="tl" rotWithShape="0">
+                <a:prstClr val="black">
+                  <a:alpha val="40000"/>
+                </a:prstClr>
+              </a:outerShdw>
+            </a:effectLst>
+          </p:spPr>
+          <p:style>
+            <a:lnRef idx="2">
+              <a:schemeClr val="accent6">
+                <a:shade val="50000"/>
+              </a:schemeClr>
+            </a:lnRef>
+            <a:fillRef idx="1">
+              <a:schemeClr val="accent6"/>
+            </a:fillRef>
+            <a:effectRef idx="0">
+              <a:schemeClr val="accent6"/>
+            </a:effectRef>
+            <a:fontRef idx="minor">
+              <a:schemeClr val="lt1"/>
+            </a:fontRef>
+          </p:style>
+          <p:txBody>
+            <a:bodyPr rtlCol="0" anchor="ctr"/>
+            <a:lstStyle/>
+            <a:p>
+              <a:pPr algn="ctr"/>
+              <a:r>
+                <a:rPr lang="en-AU" sz="1400" dirty="0">
+                  <a:solidFill>
+                    <a:schemeClr val="bg1"/>
+                  </a:solidFill>
+                </a:rPr>
+                <a:t>REST Client B</a:t>
+              </a:r>
+              <a:endParaRPr lang="en-US" sz="1400" dirty="0">
+                <a:solidFill>
+                  <a:schemeClr val="bg1"/>
+                </a:solidFill>
+              </a:endParaRPr>
+            </a:p>
+          </p:txBody>
+        </p:sp>
+        <p:cxnSp>
+          <p:nvCxnSpPr>
+            <p:cNvPr id="14" name="Straight Arrow Connector 13">
+              <a:extLst>
+                <a:ext uri="{FF2B5EF4-FFF2-40B4-BE49-F238E27FC236}">
+                  <a16:creationId xmlns:a16="http://schemas.microsoft.com/office/drawing/2014/main" id="{F29D89EE-5DE0-46CB-8546-2162DFD393B5}"/>
+                </a:ext>
+              </a:extLst>
+            </p:cNvPr>
+            <p:cNvCxnSpPr>
+              <a:stCxn id="5" idx="3"/>
+              <a:endCxn id="2" idx="1"/>
+            </p:cNvCxnSpPr>
+            <p:nvPr/>
+          </p:nvCxnSpPr>
+          <p:spPr>
+            <a:xfrm>
+              <a:off x="4609785" y="1856544"/>
+              <a:ext cx="415635" cy="0"/>
+            </a:xfrm>
+            <a:prstGeom prst="straightConnector1">
+              <a:avLst/>
+            </a:prstGeom>
+            <a:ln>
+              <a:tailEnd type="triangle"/>
+            </a:ln>
+          </p:spPr>
+          <p:style>
+            <a:lnRef idx="1">
+              <a:schemeClr val="accent1"/>
+            </a:lnRef>
+            <a:fillRef idx="0">
+              <a:schemeClr val="accent1"/>
+            </a:fillRef>
+            <a:effectRef idx="0">
+              <a:schemeClr val="accent1"/>
+            </a:effectRef>
+            <a:fontRef idx="minor">
+              <a:schemeClr val="tx1"/>
+            </a:fontRef>
+          </p:style>
+        </p:cxnSp>
+        <p:cxnSp>
+          <p:nvCxnSpPr>
+            <p:cNvPr id="21" name="Straight Connector 20">
+              <a:extLst>
+                <a:ext uri="{FF2B5EF4-FFF2-40B4-BE49-F238E27FC236}">
+                  <a16:creationId xmlns:a16="http://schemas.microsoft.com/office/drawing/2014/main" id="{04036D9D-0EBA-4AF2-8774-913FAB4B7EDB}"/>
+                </a:ext>
+              </a:extLst>
+            </p:cNvPr>
+            <p:cNvCxnSpPr>
+              <a:stCxn id="5" idx="2"/>
+            </p:cNvCxnSpPr>
+            <p:nvPr/>
+          </p:nvCxnSpPr>
+          <p:spPr>
+            <a:xfrm flipH="1">
+              <a:off x="3676491" y="2199093"/>
+              <a:ext cx="1" cy="632307"/>
+            </a:xfrm>
+            <a:prstGeom prst="line">
+              <a:avLst/>
+            </a:prstGeom>
+            <a:ln>
               <a:solidFill>
-                <a:schemeClr val="accent1"/>
+                <a:srgbClr val="FF0000"/>
               </a:solidFill>
-              <a:effectLst>
-                <a:outerShdw blurRad="38100" dist="25400" dir="5400000" algn="ctr" rotWithShape="0">
-                  <a:srgbClr val="6E747A">
-                    <a:alpha val="43000"/>
-                  </a:srgbClr>
-                </a:outerShdw>
-              </a:effectLst>
-            </a:endParaRPr>
-          </a:p>
-        </p:txBody>
-      </p:sp>
+            </a:ln>
+          </p:spPr>
+          <p:style>
+            <a:lnRef idx="1">
+              <a:schemeClr val="accent1"/>
+            </a:lnRef>
+            <a:fillRef idx="0">
+              <a:schemeClr val="accent1"/>
+            </a:fillRef>
+            <a:effectRef idx="0">
+              <a:schemeClr val="accent1"/>
+            </a:effectRef>
+            <a:fontRef idx="minor">
+              <a:schemeClr val="tx1"/>
+            </a:fontRef>
+          </p:style>
+        </p:cxnSp>
+        <p:cxnSp>
+          <p:nvCxnSpPr>
+            <p:cNvPr id="23" name="Straight Arrow Connector 22">
+              <a:extLst>
+                <a:ext uri="{FF2B5EF4-FFF2-40B4-BE49-F238E27FC236}">
+                  <a16:creationId xmlns:a16="http://schemas.microsoft.com/office/drawing/2014/main" id="{13ED8497-4C4D-4034-AFE0-E0E58BC66D98}"/>
+                </a:ext>
+              </a:extLst>
+            </p:cNvPr>
+            <p:cNvCxnSpPr>
+              <a:cxnSpLocks/>
+            </p:cNvCxnSpPr>
+            <p:nvPr/>
+          </p:nvCxnSpPr>
+          <p:spPr>
+            <a:xfrm flipH="1">
+              <a:off x="1874141" y="2831400"/>
+              <a:ext cx="1802350" cy="0"/>
+            </a:xfrm>
+            <a:prstGeom prst="straightConnector1">
+              <a:avLst/>
+            </a:prstGeom>
+            <a:ln>
+              <a:solidFill>
+                <a:srgbClr val="FF0000"/>
+              </a:solidFill>
+              <a:tailEnd type="triangle"/>
+            </a:ln>
+          </p:spPr>
+          <p:style>
+            <a:lnRef idx="1">
+              <a:schemeClr val="accent1"/>
+            </a:lnRef>
+            <a:fillRef idx="0">
+              <a:schemeClr val="accent1"/>
+            </a:fillRef>
+            <a:effectRef idx="0">
+              <a:schemeClr val="accent1"/>
+            </a:effectRef>
+            <a:fontRef idx="minor">
+              <a:schemeClr val="tx1"/>
+            </a:fontRef>
+          </p:style>
+        </p:cxnSp>
+        <p:sp>
+          <p:nvSpPr>
+            <p:cNvPr id="25" name="TextBox 24">
+              <a:extLst>
+                <a:ext uri="{FF2B5EF4-FFF2-40B4-BE49-F238E27FC236}">
+                  <a16:creationId xmlns:a16="http://schemas.microsoft.com/office/drawing/2014/main" id="{A4C9B693-C271-449F-A185-02074038F9BB}"/>
+                </a:ext>
+              </a:extLst>
+            </p:cNvPr>
+            <p:cNvSpPr txBox="1"/>
+            <p:nvPr/>
+          </p:nvSpPr>
+          <p:spPr>
+            <a:xfrm>
+              <a:off x="4520726" y="1500604"/>
+              <a:ext cx="296876" cy="369332"/>
+            </a:xfrm>
+            <a:prstGeom prst="rect">
+              <a:avLst/>
+            </a:prstGeom>
+            <a:noFill/>
+          </p:spPr>
+          <p:txBody>
+            <a:bodyPr wrap="none" rtlCol="0">
+              <a:spAutoFit/>
+            </a:bodyPr>
+            <a:lstStyle/>
+            <a:p>
+              <a:r>
+                <a:rPr lang="en-AU" dirty="0"/>
+                <a:t>Y</a:t>
+              </a:r>
+              <a:endParaRPr lang="en-US" dirty="0"/>
+            </a:p>
+          </p:txBody>
+        </p:sp>
+        <p:sp>
+          <p:nvSpPr>
+            <p:cNvPr id="26" name="TextBox 25">
+              <a:extLst>
+                <a:ext uri="{FF2B5EF4-FFF2-40B4-BE49-F238E27FC236}">
+                  <a16:creationId xmlns:a16="http://schemas.microsoft.com/office/drawing/2014/main" id="{9B58242C-4E0F-47EF-88A2-A5A93B9B4D81}"/>
+                </a:ext>
+              </a:extLst>
+            </p:cNvPr>
+            <p:cNvSpPr txBox="1"/>
+            <p:nvPr/>
+          </p:nvSpPr>
+          <p:spPr>
+            <a:xfrm>
+              <a:off x="3335087" y="2205129"/>
+              <a:ext cx="333746" cy="369332"/>
+            </a:xfrm>
+            <a:prstGeom prst="rect">
+              <a:avLst/>
+            </a:prstGeom>
+            <a:noFill/>
+          </p:spPr>
+          <p:txBody>
+            <a:bodyPr wrap="none" rtlCol="0">
+              <a:spAutoFit/>
+            </a:bodyPr>
+            <a:lstStyle/>
+            <a:p>
+              <a:r>
+                <a:rPr lang="en-AU" dirty="0"/>
+                <a:t>N</a:t>
+              </a:r>
+              <a:endParaRPr lang="en-US" dirty="0"/>
+            </a:p>
+          </p:txBody>
+        </p:sp>
+        <p:cxnSp>
+          <p:nvCxnSpPr>
+            <p:cNvPr id="28" name="Straight Arrow Connector 27">
+              <a:extLst>
+                <a:ext uri="{FF2B5EF4-FFF2-40B4-BE49-F238E27FC236}">
+                  <a16:creationId xmlns:a16="http://schemas.microsoft.com/office/drawing/2014/main" id="{499FA2DE-CF7F-4572-8FAD-29081F4624B4}"/>
+                </a:ext>
+              </a:extLst>
+            </p:cNvPr>
+            <p:cNvCxnSpPr>
+              <a:stCxn id="2" idx="2"/>
+              <a:endCxn id="6" idx="0"/>
+            </p:cNvCxnSpPr>
+            <p:nvPr/>
+          </p:nvCxnSpPr>
+          <p:spPr>
+            <a:xfrm flipH="1">
+              <a:off x="5766008" y="2327562"/>
+              <a:ext cx="1" cy="959744"/>
+            </a:xfrm>
+            <a:prstGeom prst="straightConnector1">
+              <a:avLst/>
+            </a:prstGeom>
+            <a:ln>
+              <a:headEnd type="triangle" w="med" len="med"/>
+              <a:tailEnd type="triangle" w="med" len="med"/>
+            </a:ln>
+          </p:spPr>
+          <p:style>
+            <a:lnRef idx="1">
+              <a:schemeClr val="accent1"/>
+            </a:lnRef>
+            <a:fillRef idx="0">
+              <a:schemeClr val="accent1"/>
+            </a:fillRef>
+            <a:effectRef idx="0">
+              <a:schemeClr val="accent1"/>
+            </a:effectRef>
+            <a:fontRef idx="minor">
+              <a:schemeClr val="tx1"/>
+            </a:fontRef>
+          </p:style>
+        </p:cxnSp>
+        <p:cxnSp>
+          <p:nvCxnSpPr>
+            <p:cNvPr id="29" name="Straight Arrow Connector 28">
+              <a:extLst>
+                <a:ext uri="{FF2B5EF4-FFF2-40B4-BE49-F238E27FC236}">
+                  <a16:creationId xmlns:a16="http://schemas.microsoft.com/office/drawing/2014/main" id="{39E4428A-A613-4C27-9117-FACF84D5AAEF}"/>
+                </a:ext>
+              </a:extLst>
+            </p:cNvPr>
+            <p:cNvCxnSpPr>
+              <a:cxnSpLocks/>
+            </p:cNvCxnSpPr>
+            <p:nvPr/>
+          </p:nvCxnSpPr>
+          <p:spPr>
+            <a:xfrm>
+              <a:off x="6506597" y="1626484"/>
+              <a:ext cx="657458" cy="0"/>
+            </a:xfrm>
+            <a:prstGeom prst="straightConnector1">
+              <a:avLst/>
+            </a:prstGeom>
+            <a:ln>
+              <a:tailEnd type="triangle"/>
+            </a:ln>
+          </p:spPr>
+          <p:style>
+            <a:lnRef idx="1">
+              <a:schemeClr val="accent1"/>
+            </a:lnRef>
+            <a:fillRef idx="0">
+              <a:schemeClr val="accent1"/>
+            </a:fillRef>
+            <a:effectRef idx="0">
+              <a:schemeClr val="accent1"/>
+            </a:effectRef>
+            <a:fontRef idx="minor">
+              <a:schemeClr val="tx1"/>
+            </a:fontRef>
+          </p:style>
+        </p:cxnSp>
+        <p:cxnSp>
+          <p:nvCxnSpPr>
+            <p:cNvPr id="33" name="Straight Arrow Connector 32">
+              <a:extLst>
+                <a:ext uri="{FF2B5EF4-FFF2-40B4-BE49-F238E27FC236}">
+                  <a16:creationId xmlns:a16="http://schemas.microsoft.com/office/drawing/2014/main" id="{B735EBBD-A5E1-4239-88F1-ED28A6DE7583}"/>
+                </a:ext>
+              </a:extLst>
+            </p:cNvPr>
+            <p:cNvCxnSpPr>
+              <a:cxnSpLocks/>
+            </p:cNvCxnSpPr>
+            <p:nvPr/>
+          </p:nvCxnSpPr>
+          <p:spPr>
+            <a:xfrm>
+              <a:off x="6279887" y="2824704"/>
+              <a:ext cx="884168" cy="1"/>
+            </a:xfrm>
+            <a:prstGeom prst="straightConnector1">
+              <a:avLst/>
+            </a:prstGeom>
+            <a:ln>
+              <a:tailEnd type="triangle"/>
+            </a:ln>
+          </p:spPr>
+          <p:style>
+            <a:lnRef idx="1">
+              <a:schemeClr val="accent1"/>
+            </a:lnRef>
+            <a:fillRef idx="0">
+              <a:schemeClr val="accent1"/>
+            </a:fillRef>
+            <a:effectRef idx="0">
+              <a:schemeClr val="accent1"/>
+            </a:effectRef>
+            <a:fontRef idx="minor">
+              <a:schemeClr val="tx1"/>
+            </a:fontRef>
+          </p:style>
+        </p:cxnSp>
+        <p:cxnSp>
+          <p:nvCxnSpPr>
+            <p:cNvPr id="35" name="Straight Connector 34">
+              <a:extLst>
+                <a:ext uri="{FF2B5EF4-FFF2-40B4-BE49-F238E27FC236}">
+                  <a16:creationId xmlns:a16="http://schemas.microsoft.com/office/drawing/2014/main" id="{DF7B54D1-4BC5-42C6-88AF-E6F018D0CCD9}"/>
+                </a:ext>
+              </a:extLst>
+            </p:cNvPr>
+            <p:cNvCxnSpPr/>
+            <p:nvPr/>
+          </p:nvCxnSpPr>
+          <p:spPr>
+            <a:xfrm>
+              <a:off x="6279887" y="2327562"/>
+              <a:ext cx="0" cy="510533"/>
+            </a:xfrm>
+            <a:prstGeom prst="line">
+              <a:avLst/>
+            </a:prstGeom>
+          </p:spPr>
+          <p:style>
+            <a:lnRef idx="1">
+              <a:schemeClr val="accent1"/>
+            </a:lnRef>
+            <a:fillRef idx="0">
+              <a:schemeClr val="accent1"/>
+            </a:fillRef>
+            <a:effectRef idx="0">
+              <a:schemeClr val="accent1"/>
+            </a:effectRef>
+            <a:fontRef idx="minor">
+              <a:schemeClr val="tx1"/>
+            </a:fontRef>
+          </p:style>
+        </p:cxnSp>
+        <p:cxnSp>
+          <p:nvCxnSpPr>
+            <p:cNvPr id="37" name="Straight Arrow Connector 36">
+              <a:extLst>
+                <a:ext uri="{FF2B5EF4-FFF2-40B4-BE49-F238E27FC236}">
+                  <a16:creationId xmlns:a16="http://schemas.microsoft.com/office/drawing/2014/main" id="{54A4F332-8C95-4778-AD02-7AEBDF970C13}"/>
+                </a:ext>
+              </a:extLst>
+            </p:cNvPr>
+            <p:cNvCxnSpPr>
+              <a:cxnSpLocks/>
+              <a:stCxn id="7" idx="3"/>
+              <a:endCxn id="8" idx="1"/>
+            </p:cNvCxnSpPr>
+            <p:nvPr/>
+          </p:nvCxnSpPr>
+          <p:spPr>
+            <a:xfrm>
+              <a:off x="8645234" y="1639874"/>
+              <a:ext cx="869060" cy="3779"/>
+            </a:xfrm>
+            <a:prstGeom prst="straightConnector1">
+              <a:avLst/>
+            </a:prstGeom>
+            <a:ln>
+              <a:tailEnd type="triangle"/>
+            </a:ln>
+          </p:spPr>
+          <p:style>
+            <a:lnRef idx="1">
+              <a:schemeClr val="accent1"/>
+            </a:lnRef>
+            <a:fillRef idx="0">
+              <a:schemeClr val="accent1"/>
+            </a:fillRef>
+            <a:effectRef idx="0">
+              <a:schemeClr val="accent1"/>
+            </a:effectRef>
+            <a:fontRef idx="minor">
+              <a:schemeClr val="tx1"/>
+            </a:fontRef>
+          </p:style>
+        </p:cxnSp>
+        <p:cxnSp>
+          <p:nvCxnSpPr>
+            <p:cNvPr id="41" name="Straight Arrow Connector 40">
+              <a:extLst>
+                <a:ext uri="{FF2B5EF4-FFF2-40B4-BE49-F238E27FC236}">
+                  <a16:creationId xmlns:a16="http://schemas.microsoft.com/office/drawing/2014/main" id="{8781131E-9B9A-449B-8AAD-F86DE38AAB99}"/>
+                </a:ext>
+              </a:extLst>
+            </p:cNvPr>
+            <p:cNvCxnSpPr>
+              <a:cxnSpLocks/>
+              <a:stCxn id="10" idx="3"/>
+              <a:endCxn id="9" idx="1"/>
+            </p:cNvCxnSpPr>
+            <p:nvPr/>
+          </p:nvCxnSpPr>
+          <p:spPr>
+            <a:xfrm>
+              <a:off x="8645233" y="2831401"/>
+              <a:ext cx="869061" cy="0"/>
+            </a:xfrm>
+            <a:prstGeom prst="straightConnector1">
+              <a:avLst/>
+            </a:prstGeom>
+            <a:ln>
+              <a:tailEnd type="triangle"/>
+            </a:ln>
+          </p:spPr>
+          <p:style>
+            <a:lnRef idx="1">
+              <a:schemeClr val="accent1"/>
+            </a:lnRef>
+            <a:fillRef idx="0">
+              <a:schemeClr val="accent1"/>
+            </a:fillRef>
+            <a:effectRef idx="0">
+              <a:schemeClr val="accent1"/>
+            </a:effectRef>
+            <a:fontRef idx="minor">
+              <a:schemeClr val="tx1"/>
+            </a:fontRef>
+          </p:style>
+        </p:cxnSp>
+        <p:sp>
+          <p:nvSpPr>
+            <p:cNvPr id="44" name="TextBox 43">
+              <a:extLst>
+                <a:ext uri="{FF2B5EF4-FFF2-40B4-BE49-F238E27FC236}">
+                  <a16:creationId xmlns:a16="http://schemas.microsoft.com/office/drawing/2014/main" id="{CAF50601-E74F-43A5-A18D-C7305B4C0A2E}"/>
+                </a:ext>
+              </a:extLst>
+            </p:cNvPr>
+            <p:cNvSpPr txBox="1"/>
+            <p:nvPr/>
+          </p:nvSpPr>
+          <p:spPr>
+            <a:xfrm>
+              <a:off x="2256404" y="2556864"/>
+              <a:ext cx="1440651" cy="830997"/>
+            </a:xfrm>
+            <a:prstGeom prst="rect">
+              <a:avLst/>
+            </a:prstGeom>
+            <a:noFill/>
+          </p:spPr>
+          <p:txBody>
+            <a:bodyPr wrap="none" rtlCol="0">
+              <a:spAutoFit/>
+            </a:bodyPr>
+            <a:lstStyle/>
+            <a:p>
+              <a:r>
+                <a:rPr lang="en-AU" sz="1600" dirty="0"/>
+                <a:t>Return</a:t>
+              </a:r>
+            </a:p>
+            <a:p>
+              <a:r>
+                <a:rPr lang="en-AU" sz="1600" dirty="0"/>
+                <a:t>Invalid or</a:t>
+              </a:r>
+            </a:p>
+            <a:p>
+              <a:r>
+                <a:rPr lang="en-AU" sz="1600" dirty="0"/>
+                <a:t>Failed/rejected</a:t>
+              </a:r>
+              <a:endParaRPr lang="en-US" sz="1600" dirty="0"/>
+            </a:p>
+          </p:txBody>
+        </p:sp>
+        <p:sp>
+          <p:nvSpPr>
+            <p:cNvPr id="45" name="TextBox 44">
+              <a:extLst>
+                <a:ext uri="{FF2B5EF4-FFF2-40B4-BE49-F238E27FC236}">
+                  <a16:creationId xmlns:a16="http://schemas.microsoft.com/office/drawing/2014/main" id="{512BE694-2AB0-4D2D-9E97-749A914296F7}"/>
+                </a:ext>
+              </a:extLst>
+            </p:cNvPr>
+            <p:cNvSpPr txBox="1"/>
+            <p:nvPr/>
+          </p:nvSpPr>
+          <p:spPr>
+            <a:xfrm>
+              <a:off x="5015352" y="2523901"/>
+              <a:ext cx="826445" cy="584775"/>
+            </a:xfrm>
+            <a:prstGeom prst="rect">
+              <a:avLst/>
+            </a:prstGeom>
+            <a:noFill/>
+          </p:spPr>
+          <p:txBody>
+            <a:bodyPr wrap="none" rtlCol="0">
+              <a:spAutoFit/>
+            </a:bodyPr>
+            <a:lstStyle/>
+            <a:p>
+              <a:r>
+                <a:rPr lang="en-AU" sz="1600" dirty="0"/>
+                <a:t>Check </a:t>
+              </a:r>
+            </a:p>
+            <a:p>
+              <a:r>
+                <a:rPr lang="en-AU" sz="1600" dirty="0"/>
+                <a:t>country</a:t>
+              </a:r>
+              <a:endParaRPr lang="en-US" sz="1600" dirty="0"/>
+            </a:p>
+          </p:txBody>
+        </p:sp>
+        <p:sp>
+          <p:nvSpPr>
+            <p:cNvPr id="46" name="TextBox 45">
+              <a:extLst>
+                <a:ext uri="{FF2B5EF4-FFF2-40B4-BE49-F238E27FC236}">
+                  <a16:creationId xmlns:a16="http://schemas.microsoft.com/office/drawing/2014/main" id="{25D568A7-EB92-4A1C-9BC5-3252CA281191}"/>
+                </a:ext>
+              </a:extLst>
+            </p:cNvPr>
+            <p:cNvSpPr txBox="1"/>
+            <p:nvPr/>
+          </p:nvSpPr>
+          <p:spPr>
+            <a:xfrm>
+              <a:off x="6551196" y="1974679"/>
+              <a:ext cx="1225720" cy="584775"/>
+            </a:xfrm>
+            <a:prstGeom prst="rect">
+              <a:avLst/>
+            </a:prstGeom>
+            <a:noFill/>
+          </p:spPr>
+          <p:txBody>
+            <a:bodyPr wrap="none" rtlCol="0">
+              <a:spAutoFit/>
+            </a:bodyPr>
+            <a:lstStyle/>
+            <a:p>
+              <a:r>
+                <a:rPr lang="en-AU" sz="1600" dirty="0"/>
+                <a:t>Invoke REST </a:t>
+              </a:r>
+            </a:p>
+            <a:p>
+              <a:r>
+                <a:rPr lang="en-AU" sz="1600" dirty="0"/>
+                <a:t>Client</a:t>
+              </a:r>
+              <a:endParaRPr lang="en-US" sz="1600" dirty="0"/>
+            </a:p>
+          </p:txBody>
+        </p:sp>
+        <p:cxnSp>
+          <p:nvCxnSpPr>
+            <p:cNvPr id="50" name="Straight Connector 49">
+              <a:extLst>
+                <a:ext uri="{FF2B5EF4-FFF2-40B4-BE49-F238E27FC236}">
+                  <a16:creationId xmlns:a16="http://schemas.microsoft.com/office/drawing/2014/main" id="{AC57E18D-4ACC-4C6F-9213-4F4FC33E18C8}"/>
+                </a:ext>
+              </a:extLst>
+            </p:cNvPr>
+            <p:cNvCxnSpPr/>
+            <p:nvPr/>
+          </p:nvCxnSpPr>
+          <p:spPr>
+            <a:xfrm flipV="1">
+              <a:off x="5478843" y="884172"/>
+              <a:ext cx="0" cy="483649"/>
+            </a:xfrm>
+            <a:prstGeom prst="line">
+              <a:avLst/>
+            </a:prstGeom>
+          </p:spPr>
+          <p:style>
+            <a:lnRef idx="1">
+              <a:schemeClr val="accent1"/>
+            </a:lnRef>
+            <a:fillRef idx="0">
+              <a:schemeClr val="accent1"/>
+            </a:fillRef>
+            <a:effectRef idx="0">
+              <a:schemeClr val="accent1"/>
+            </a:effectRef>
+            <a:fontRef idx="minor">
+              <a:schemeClr val="tx1"/>
+            </a:fontRef>
+          </p:style>
+        </p:cxnSp>
+        <p:cxnSp>
+          <p:nvCxnSpPr>
+            <p:cNvPr id="51" name="Straight Arrow Connector 50">
+              <a:extLst>
+                <a:ext uri="{FF2B5EF4-FFF2-40B4-BE49-F238E27FC236}">
+                  <a16:creationId xmlns:a16="http://schemas.microsoft.com/office/drawing/2014/main" id="{2F5F8304-CA4E-4527-9B48-777ED682E2EF}"/>
+                </a:ext>
+              </a:extLst>
+            </p:cNvPr>
+            <p:cNvCxnSpPr>
+              <a:cxnSpLocks/>
+            </p:cNvCxnSpPr>
+            <p:nvPr/>
+          </p:nvCxnSpPr>
+          <p:spPr>
+            <a:xfrm flipH="1">
+              <a:off x="1443392" y="884172"/>
+              <a:ext cx="4035451" cy="0"/>
+            </a:xfrm>
+            <a:prstGeom prst="straightConnector1">
+              <a:avLst/>
+            </a:prstGeom>
+            <a:ln>
+              <a:tailEnd type="triangle"/>
+            </a:ln>
+          </p:spPr>
+          <p:style>
+            <a:lnRef idx="1">
+              <a:schemeClr val="accent1"/>
+            </a:lnRef>
+            <a:fillRef idx="0">
+              <a:schemeClr val="accent1"/>
+            </a:fillRef>
+            <a:effectRef idx="0">
+              <a:schemeClr val="accent1"/>
+            </a:effectRef>
+            <a:fontRef idx="minor">
+              <a:schemeClr val="tx1"/>
+            </a:fontRef>
+          </p:style>
+        </p:cxnSp>
+        <p:sp>
+          <p:nvSpPr>
+            <p:cNvPr id="53" name="TextBox 52">
+              <a:extLst>
+                <a:ext uri="{FF2B5EF4-FFF2-40B4-BE49-F238E27FC236}">
+                  <a16:creationId xmlns:a16="http://schemas.microsoft.com/office/drawing/2014/main" id="{FF2819ED-801D-4291-8D75-CD908DBC28BE}"/>
+                </a:ext>
+              </a:extLst>
+            </p:cNvPr>
+            <p:cNvSpPr txBox="1"/>
+            <p:nvPr/>
+          </p:nvSpPr>
+          <p:spPr>
+            <a:xfrm>
+              <a:off x="3501960" y="586671"/>
+              <a:ext cx="808235" cy="584775"/>
+            </a:xfrm>
+            <a:prstGeom prst="rect">
+              <a:avLst/>
+            </a:prstGeom>
+            <a:noFill/>
+          </p:spPr>
+          <p:txBody>
+            <a:bodyPr wrap="none" rtlCol="0">
+              <a:spAutoFit/>
+            </a:bodyPr>
+            <a:lstStyle/>
+            <a:p>
+              <a:r>
+                <a:rPr lang="en-AU" sz="1600" dirty="0"/>
+                <a:t>Return</a:t>
+              </a:r>
+            </a:p>
+            <a:p>
+              <a:r>
+                <a:rPr lang="en-AU" sz="1600" dirty="0"/>
+                <a:t>success</a:t>
+              </a:r>
+              <a:endParaRPr lang="en-US" sz="1600" dirty="0"/>
+            </a:p>
+          </p:txBody>
+        </p:sp>
+      </p:grpSp>
       <p:sp>
         <p:nvSpPr>
-          <p:cNvPr id="5" name="Flowchart: Decision 4">
+          <p:cNvPr id="13" name="Rectangle: Rounded Corners 12">
             <a:extLst>
               <a:ext uri="{FF2B5EF4-FFF2-40B4-BE49-F238E27FC236}">
-                <a16:creationId xmlns:a16="http://schemas.microsoft.com/office/drawing/2014/main" id="{DC5C5360-A7EF-4703-91CE-567A2F88EC1B}"/>
+                <a16:creationId xmlns:a16="http://schemas.microsoft.com/office/drawing/2014/main" id="{42248EA1-406F-4782-8E8F-60BCD951FEAF}"/>
               </a:ext>
             </a:extLst>
           </p:cNvPr>
@@ -6840,27 +8028,34 @@
         </p:nvSpPr>
         <p:spPr>
           <a:xfrm>
-            <a:off x="2743198" y="1513995"/>
-            <a:ext cx="1866587" cy="685098"/>
+            <a:off x="7316455" y="508408"/>
+            <a:ext cx="1201357" cy="762350"/>
           </a:xfrm>
-          <a:prstGeom prst="flowChartDecision">
+          <a:prstGeom prst="roundRect">
             <a:avLst/>
           </a:prstGeom>
           <a:ln>
             <a:noFill/>
           </a:ln>
+          <a:effectLst>
+            <a:outerShdw blurRad="50800" dist="38100" dir="2700000" algn="tl" rotWithShape="0">
+              <a:prstClr val="black">
+                <a:alpha val="40000"/>
+              </a:prstClr>
+            </a:outerShdw>
+          </a:effectLst>
         </p:spPr>
         <p:style>
           <a:lnRef idx="2">
-            <a:schemeClr val="accent4">
+            <a:schemeClr val="accent5">
               <a:shade val="50000"/>
             </a:schemeClr>
           </a:lnRef>
           <a:fillRef idx="1">
-            <a:schemeClr val="accent4"/>
+            <a:schemeClr val="accent5"/>
           </a:fillRef>
           <a:effectRef idx="0">
-            <a:schemeClr val="accent4"/>
+            <a:schemeClr val="accent5"/>
           </a:effectRef>
           <a:fontRef idx="minor">
             <a:schemeClr val="lt1"/>
@@ -6872,27 +8067,25 @@
           <a:p>
             <a:pPr algn="ctr"/>
             <a:r>
-              <a:rPr lang="en-AU" sz="1000" dirty="0">
-                <a:solidFill>
-                  <a:schemeClr val="tx1"/>
-                </a:solidFill>
-              </a:rPr>
-              <a:t>Authenticated?</a:t>
-            </a:r>
-            <a:endParaRPr lang="en-US" sz="1000" dirty="0">
-              <a:solidFill>
-                <a:schemeClr val="tx1"/>
-              </a:solidFill>
-            </a:endParaRPr>
+              <a:rPr lang="en-AU" sz="1400" dirty="0"/>
+              <a:t>Audit </a:t>
+            </a:r>
+          </a:p>
+          <a:p>
+            <a:pPr algn="ctr"/>
+            <a:r>
+              <a:rPr lang="en-AU" sz="1400" dirty="0"/>
+              <a:t>logging</a:t>
+            </a:r>
           </a:p>
         </p:txBody>
       </p:sp>
       <p:sp>
         <p:nvSpPr>
-          <p:cNvPr id="6" name="Flowchart: Predefined Process 5">
+          <p:cNvPr id="15" name="Flowchart: Multidocument 14">
             <a:extLst>
               <a:ext uri="{FF2B5EF4-FFF2-40B4-BE49-F238E27FC236}">
-                <a16:creationId xmlns:a16="http://schemas.microsoft.com/office/drawing/2014/main" id="{2C99CFD9-1B63-4D58-8E3E-B02EE85BDF85}"/>
+                <a16:creationId xmlns:a16="http://schemas.microsoft.com/office/drawing/2014/main" id="{E3424D54-9F51-4991-A2E0-6FF2083A7A1A}"/>
               </a:ext>
             </a:extLst>
           </p:cNvPr>
@@ -6901,12 +8094,19 @@
         </p:nvSpPr>
         <p:spPr>
           <a:xfrm>
-            <a:off x="5127439" y="3287306"/>
-            <a:ext cx="1277137" cy="685098"/>
+            <a:off x="5730579" y="773719"/>
+            <a:ext cx="1072353" cy="778152"/>
           </a:xfrm>
-          <a:prstGeom prst="flowChartPredefinedProcess">
+          <a:prstGeom prst="flowChartMultidocument">
             <a:avLst/>
           </a:prstGeom>
+          <a:effectLst>
+            <a:outerShdw blurRad="50800" dist="38100" dir="2700000" algn="tl" rotWithShape="0">
+              <a:prstClr val="black">
+                <a:alpha val="40000"/>
+              </a:prstClr>
+            </a:outerShdw>
+          </a:effectLst>
         </p:spPr>
         <p:style>
           <a:lnRef idx="2">
@@ -6928,272 +8128,31 @@
           <a:p>
             <a:pPr algn="ctr"/>
             <a:r>
-              <a:rPr lang="en-AU" sz="1400" dirty="0"/>
-              <a:t>Rules Engine</a:t>
-            </a:r>
-            <a:endParaRPr lang="en-US" sz="1400" dirty="0"/>
-          </a:p>
-        </p:txBody>
-      </p:sp>
-      <p:sp>
-        <p:nvSpPr>
-          <p:cNvPr id="7" name="Flowchart: Process 6">
-            <a:extLst>
-              <a:ext uri="{FF2B5EF4-FFF2-40B4-BE49-F238E27FC236}">
-                <a16:creationId xmlns:a16="http://schemas.microsoft.com/office/drawing/2014/main" id="{77E46E74-AEDB-4F91-9248-545B7398EFF2}"/>
-              </a:ext>
-            </a:extLst>
-          </p:cNvPr>
-          <p:cNvSpPr/>
-          <p:nvPr/>
-        </p:nvSpPr>
-        <p:spPr>
-          <a:xfrm>
-            <a:off x="7164057" y="1367821"/>
-            <a:ext cx="1481177" cy="544106"/>
-          </a:xfrm>
-          <a:prstGeom prst="flowChartProcess">
-            <a:avLst/>
-          </a:prstGeom>
-          <a:ln>
-            <a:noFill/>
-          </a:ln>
-        </p:spPr>
-        <p:style>
-          <a:lnRef idx="2">
-            <a:schemeClr val="accent2">
-              <a:shade val="50000"/>
-            </a:schemeClr>
-          </a:lnRef>
-          <a:fillRef idx="1">
-            <a:schemeClr val="accent2"/>
-          </a:fillRef>
-          <a:effectRef idx="0">
-            <a:schemeClr val="accent2"/>
-          </a:effectRef>
-          <a:fontRef idx="minor">
-            <a:schemeClr val="lt1"/>
-          </a:fontRef>
-        </p:style>
-        <p:txBody>
-          <a:bodyPr rtlCol="0" anchor="ctr"/>
-          <a:lstStyle/>
-          <a:p>
-            <a:pPr algn="ctr"/>
-            <a:r>
-              <a:rPr lang="en-AU" sz="1400" dirty="0"/>
-              <a:t>REST Client A</a:t>
-            </a:r>
-            <a:endParaRPr lang="en-US" sz="1400" dirty="0"/>
-          </a:p>
-        </p:txBody>
-      </p:sp>
-      <p:sp>
-        <p:nvSpPr>
-          <p:cNvPr id="8" name="Flowchart: Process 7">
-            <a:extLst>
-              <a:ext uri="{FF2B5EF4-FFF2-40B4-BE49-F238E27FC236}">
-                <a16:creationId xmlns:a16="http://schemas.microsoft.com/office/drawing/2014/main" id="{04035560-E207-483E-969F-08DD3B1AFD3C}"/>
-              </a:ext>
-            </a:extLst>
-          </p:cNvPr>
-          <p:cNvSpPr/>
-          <p:nvPr/>
-        </p:nvSpPr>
-        <p:spPr>
-          <a:xfrm>
-            <a:off x="9514294" y="1322479"/>
-            <a:ext cx="1065540" cy="642347"/>
-          </a:xfrm>
-          <a:prstGeom prst="flowChartProcess">
-            <a:avLst/>
-          </a:prstGeom>
-          <a:ln>
-            <a:noFill/>
-          </a:ln>
-        </p:spPr>
-        <p:style>
-          <a:lnRef idx="2">
-            <a:schemeClr val="accent2">
-              <a:shade val="50000"/>
-            </a:schemeClr>
-          </a:lnRef>
-          <a:fillRef idx="1">
-            <a:schemeClr val="accent2"/>
-          </a:fillRef>
-          <a:effectRef idx="0">
-            <a:schemeClr val="accent2"/>
-          </a:effectRef>
-          <a:fontRef idx="minor">
-            <a:schemeClr val="lt1"/>
-          </a:fontRef>
-        </p:style>
-        <p:txBody>
-          <a:bodyPr rtlCol="0" anchor="ctr"/>
-          <a:lstStyle/>
-          <a:p>
-            <a:pPr algn="ctr"/>
-            <a:r>
-              <a:rPr lang="en-AU" sz="1400" dirty="0"/>
-              <a:t>Gateway A</a:t>
-            </a:r>
-            <a:endParaRPr lang="en-US" sz="1400" dirty="0"/>
-          </a:p>
-        </p:txBody>
-      </p:sp>
-      <p:sp>
-        <p:nvSpPr>
-          <p:cNvPr id="9" name="Flowchart: Process 8">
-            <a:extLst>
-              <a:ext uri="{FF2B5EF4-FFF2-40B4-BE49-F238E27FC236}">
-                <a16:creationId xmlns:a16="http://schemas.microsoft.com/office/drawing/2014/main" id="{870C1EF6-3862-472E-8D60-24BC68788A20}"/>
-              </a:ext>
-            </a:extLst>
-          </p:cNvPr>
-          <p:cNvSpPr/>
-          <p:nvPr/>
-        </p:nvSpPr>
-        <p:spPr>
-          <a:xfrm>
-            <a:off x="9514294" y="2510227"/>
-            <a:ext cx="1065540" cy="642347"/>
-          </a:xfrm>
-          <a:prstGeom prst="flowChartProcess">
-            <a:avLst/>
-          </a:prstGeom>
-          <a:solidFill>
-            <a:schemeClr val="accent6">
-              <a:lumMod val="60000"/>
-              <a:lumOff val="40000"/>
-            </a:schemeClr>
-          </a:solidFill>
-          <a:ln>
-            <a:noFill/>
-          </a:ln>
-        </p:spPr>
-        <p:style>
-          <a:lnRef idx="2">
-            <a:schemeClr val="accent6">
-              <a:shade val="50000"/>
-            </a:schemeClr>
-          </a:lnRef>
-          <a:fillRef idx="1">
-            <a:schemeClr val="accent6"/>
-          </a:fillRef>
-          <a:effectRef idx="0">
-            <a:schemeClr val="accent6"/>
-          </a:effectRef>
-          <a:fontRef idx="minor">
-            <a:schemeClr val="lt1"/>
-          </a:fontRef>
-        </p:style>
-        <p:txBody>
-          <a:bodyPr rtlCol="0" anchor="ctr"/>
-          <a:lstStyle/>
-          <a:p>
-            <a:pPr algn="ctr"/>
-            <a:r>
-              <a:rPr lang="en-AU" sz="1400" dirty="0">
-                <a:solidFill>
-                  <a:schemeClr val="tx1"/>
-                </a:solidFill>
-              </a:rPr>
-              <a:t>Gateway B</a:t>
-            </a:r>
-            <a:endParaRPr lang="en-US" sz="1400" dirty="0">
-              <a:solidFill>
-                <a:schemeClr val="tx1"/>
-              </a:solidFill>
-            </a:endParaRPr>
-          </a:p>
-        </p:txBody>
-      </p:sp>
-      <p:sp>
-        <p:nvSpPr>
-          <p:cNvPr id="10" name="Flowchart: Process 9">
-            <a:extLst>
-              <a:ext uri="{FF2B5EF4-FFF2-40B4-BE49-F238E27FC236}">
-                <a16:creationId xmlns:a16="http://schemas.microsoft.com/office/drawing/2014/main" id="{418FB826-8FF4-4819-9A7D-C35EAD24FD25}"/>
-              </a:ext>
-            </a:extLst>
-          </p:cNvPr>
-          <p:cNvSpPr/>
-          <p:nvPr/>
-        </p:nvSpPr>
-        <p:spPr>
-          <a:xfrm>
-            <a:off x="7164056" y="2559348"/>
-            <a:ext cx="1481177" cy="544106"/>
-          </a:xfrm>
-          <a:prstGeom prst="flowChartProcess">
-            <a:avLst/>
-          </a:prstGeom>
-          <a:solidFill>
-            <a:schemeClr val="accent6">
-              <a:lumMod val="60000"/>
-              <a:lumOff val="40000"/>
-            </a:schemeClr>
-          </a:solidFill>
-          <a:ln>
-            <a:noFill/>
-          </a:ln>
-        </p:spPr>
-        <p:style>
-          <a:lnRef idx="2">
-            <a:schemeClr val="accent6">
-              <a:shade val="50000"/>
-            </a:schemeClr>
-          </a:lnRef>
-          <a:fillRef idx="1">
-            <a:schemeClr val="accent6"/>
-          </a:fillRef>
-          <a:effectRef idx="0">
-            <a:schemeClr val="accent6"/>
-          </a:effectRef>
-          <a:fontRef idx="minor">
-            <a:schemeClr val="lt1"/>
-          </a:fontRef>
-        </p:style>
-        <p:txBody>
-          <a:bodyPr rtlCol="0" anchor="ctr"/>
-          <a:lstStyle/>
-          <a:p>
-            <a:pPr algn="ctr"/>
-            <a:r>
-              <a:rPr lang="en-AU" sz="1400" dirty="0">
-                <a:solidFill>
-                  <a:schemeClr val="tx1"/>
-                </a:solidFill>
-              </a:rPr>
-              <a:t>REST Client B</a:t>
-            </a:r>
-            <a:endParaRPr lang="en-US" sz="1400" dirty="0">
-              <a:solidFill>
-                <a:schemeClr val="tx1"/>
-              </a:solidFill>
-            </a:endParaRPr>
+              <a:rPr lang="en-AU" sz="1200" dirty="0"/>
+              <a:t>RabbitMQ</a:t>
+            </a:r>
           </a:p>
         </p:txBody>
       </p:sp>
       <p:cxnSp>
         <p:nvCxnSpPr>
-          <p:cNvPr id="14" name="Straight Arrow Connector 13">
+          <p:cNvPr id="17" name="Straight Arrow Connector 16">
             <a:extLst>
               <a:ext uri="{FF2B5EF4-FFF2-40B4-BE49-F238E27FC236}">
-                <a16:creationId xmlns:a16="http://schemas.microsoft.com/office/drawing/2014/main" id="{F29D89EE-5DE0-46CB-8546-2162DFD393B5}"/>
+                <a16:creationId xmlns:a16="http://schemas.microsoft.com/office/drawing/2014/main" id="{FE9890D4-E6D3-427D-91FE-E989B0A8AF77}"/>
               </a:ext>
             </a:extLst>
           </p:cNvPr>
           <p:cNvCxnSpPr>
-            <a:stCxn id="5" idx="3"/>
-            <a:endCxn id="2" idx="1"/>
+            <a:cxnSpLocks/>
+            <a:endCxn id="15" idx="2"/>
           </p:cNvCxnSpPr>
           <p:nvPr/>
         </p:nvCxnSpPr>
         <p:spPr>
-          <a:xfrm>
-            <a:off x="4609785" y="1856544"/>
-            <a:ext cx="415635" cy="0"/>
+          <a:xfrm flipV="1">
+            <a:off x="6192187" y="1522402"/>
+            <a:ext cx="0" cy="828323"/>
           </a:xfrm>
           <a:prstGeom prst="straightConnector1">
             <a:avLst/>
@@ -7219,294 +8178,10 @@
       </p:cxnSp>
       <p:cxnSp>
         <p:nvCxnSpPr>
-          <p:cNvPr id="21" name="Straight Connector 20">
+          <p:cNvPr id="20" name="Straight Connector 19">
             <a:extLst>
               <a:ext uri="{FF2B5EF4-FFF2-40B4-BE49-F238E27FC236}">
-                <a16:creationId xmlns:a16="http://schemas.microsoft.com/office/drawing/2014/main" id="{04036D9D-0EBA-4AF2-8774-913FAB4B7EDB}"/>
-              </a:ext>
-            </a:extLst>
-          </p:cNvPr>
-          <p:cNvCxnSpPr>
-            <a:stCxn id="5" idx="2"/>
-          </p:cNvCxnSpPr>
-          <p:nvPr/>
-        </p:nvCxnSpPr>
-        <p:spPr>
-          <a:xfrm flipH="1">
-            <a:off x="3676491" y="2199093"/>
-            <a:ext cx="1" cy="632307"/>
-          </a:xfrm>
-          <a:prstGeom prst="line">
-            <a:avLst/>
-          </a:prstGeom>
-          <a:ln>
-            <a:solidFill>
-              <a:srgbClr val="FF0000"/>
-            </a:solidFill>
-          </a:ln>
-        </p:spPr>
-        <p:style>
-          <a:lnRef idx="1">
-            <a:schemeClr val="accent1"/>
-          </a:lnRef>
-          <a:fillRef idx="0">
-            <a:schemeClr val="accent1"/>
-          </a:fillRef>
-          <a:effectRef idx="0">
-            <a:schemeClr val="accent1"/>
-          </a:effectRef>
-          <a:fontRef idx="minor">
-            <a:schemeClr val="tx1"/>
-          </a:fontRef>
-        </p:style>
-      </p:cxnSp>
-      <p:cxnSp>
-        <p:nvCxnSpPr>
-          <p:cNvPr id="23" name="Straight Arrow Connector 22">
-            <a:extLst>
-              <a:ext uri="{FF2B5EF4-FFF2-40B4-BE49-F238E27FC236}">
-                <a16:creationId xmlns:a16="http://schemas.microsoft.com/office/drawing/2014/main" id="{13ED8497-4C4D-4034-AFE0-E0E58BC66D98}"/>
-              </a:ext>
-            </a:extLst>
-          </p:cNvPr>
-          <p:cNvCxnSpPr>
-            <a:cxnSpLocks/>
-          </p:cNvCxnSpPr>
-          <p:nvPr/>
-        </p:nvCxnSpPr>
-        <p:spPr>
-          <a:xfrm flipH="1">
-            <a:off x="1874141" y="2831400"/>
-            <a:ext cx="1802350" cy="0"/>
-          </a:xfrm>
-          <a:prstGeom prst="straightConnector1">
-            <a:avLst/>
-          </a:prstGeom>
-          <a:ln>
-            <a:solidFill>
-              <a:srgbClr val="FF0000"/>
-            </a:solidFill>
-            <a:tailEnd type="triangle"/>
-          </a:ln>
-        </p:spPr>
-        <p:style>
-          <a:lnRef idx="1">
-            <a:schemeClr val="accent1"/>
-          </a:lnRef>
-          <a:fillRef idx="0">
-            <a:schemeClr val="accent1"/>
-          </a:fillRef>
-          <a:effectRef idx="0">
-            <a:schemeClr val="accent1"/>
-          </a:effectRef>
-          <a:fontRef idx="minor">
-            <a:schemeClr val="tx1"/>
-          </a:fontRef>
-        </p:style>
-      </p:cxnSp>
-      <p:sp>
-        <p:nvSpPr>
-          <p:cNvPr id="25" name="TextBox 24">
-            <a:extLst>
-              <a:ext uri="{FF2B5EF4-FFF2-40B4-BE49-F238E27FC236}">
-                <a16:creationId xmlns:a16="http://schemas.microsoft.com/office/drawing/2014/main" id="{A4C9B693-C271-449F-A185-02074038F9BB}"/>
-              </a:ext>
-            </a:extLst>
-          </p:cNvPr>
-          <p:cNvSpPr txBox="1"/>
-          <p:nvPr/>
-        </p:nvSpPr>
-        <p:spPr>
-          <a:xfrm>
-            <a:off x="4520726" y="1500604"/>
-            <a:ext cx="296876" cy="369332"/>
-          </a:xfrm>
-          <a:prstGeom prst="rect">
-            <a:avLst/>
-          </a:prstGeom>
-          <a:noFill/>
-        </p:spPr>
-        <p:txBody>
-          <a:bodyPr wrap="none" rtlCol="0">
-            <a:spAutoFit/>
-          </a:bodyPr>
-          <a:lstStyle/>
-          <a:p>
-            <a:r>
-              <a:rPr lang="en-AU" dirty="0"/>
-              <a:t>Y</a:t>
-            </a:r>
-            <a:endParaRPr lang="en-US" dirty="0"/>
-          </a:p>
-        </p:txBody>
-      </p:sp>
-      <p:sp>
-        <p:nvSpPr>
-          <p:cNvPr id="26" name="TextBox 25">
-            <a:extLst>
-              <a:ext uri="{FF2B5EF4-FFF2-40B4-BE49-F238E27FC236}">
-                <a16:creationId xmlns:a16="http://schemas.microsoft.com/office/drawing/2014/main" id="{9B58242C-4E0F-47EF-88A2-A5A93B9B4D81}"/>
-              </a:ext>
-            </a:extLst>
-          </p:cNvPr>
-          <p:cNvSpPr txBox="1"/>
-          <p:nvPr/>
-        </p:nvSpPr>
-        <p:spPr>
-          <a:xfrm>
-            <a:off x="3335087" y="2205129"/>
-            <a:ext cx="333746" cy="369332"/>
-          </a:xfrm>
-          <a:prstGeom prst="rect">
-            <a:avLst/>
-          </a:prstGeom>
-          <a:noFill/>
-        </p:spPr>
-        <p:txBody>
-          <a:bodyPr wrap="none" rtlCol="0">
-            <a:spAutoFit/>
-          </a:bodyPr>
-          <a:lstStyle/>
-          <a:p>
-            <a:r>
-              <a:rPr lang="en-AU" dirty="0"/>
-              <a:t>N</a:t>
-            </a:r>
-            <a:endParaRPr lang="en-US" dirty="0"/>
-          </a:p>
-        </p:txBody>
-      </p:sp>
-      <p:cxnSp>
-        <p:nvCxnSpPr>
-          <p:cNvPr id="28" name="Straight Arrow Connector 27">
-            <a:extLst>
-              <a:ext uri="{FF2B5EF4-FFF2-40B4-BE49-F238E27FC236}">
-                <a16:creationId xmlns:a16="http://schemas.microsoft.com/office/drawing/2014/main" id="{499FA2DE-CF7F-4572-8FAD-29081F4624B4}"/>
-              </a:ext>
-            </a:extLst>
-          </p:cNvPr>
-          <p:cNvCxnSpPr>
-            <a:stCxn id="2" idx="2"/>
-            <a:endCxn id="6" idx="0"/>
-          </p:cNvCxnSpPr>
-          <p:nvPr/>
-        </p:nvCxnSpPr>
-        <p:spPr>
-          <a:xfrm flipH="1">
-            <a:off x="5766008" y="2327562"/>
-            <a:ext cx="1" cy="959744"/>
-          </a:xfrm>
-          <a:prstGeom prst="straightConnector1">
-            <a:avLst/>
-          </a:prstGeom>
-          <a:ln>
-            <a:headEnd type="triangle" w="med" len="med"/>
-            <a:tailEnd type="triangle" w="med" len="med"/>
-          </a:ln>
-        </p:spPr>
-        <p:style>
-          <a:lnRef idx="1">
-            <a:schemeClr val="accent1"/>
-          </a:lnRef>
-          <a:fillRef idx="0">
-            <a:schemeClr val="accent1"/>
-          </a:fillRef>
-          <a:effectRef idx="0">
-            <a:schemeClr val="accent1"/>
-          </a:effectRef>
-          <a:fontRef idx="minor">
-            <a:schemeClr val="tx1"/>
-          </a:fontRef>
-        </p:style>
-      </p:cxnSp>
-      <p:cxnSp>
-        <p:nvCxnSpPr>
-          <p:cNvPr id="29" name="Straight Arrow Connector 28">
-            <a:extLst>
-              <a:ext uri="{FF2B5EF4-FFF2-40B4-BE49-F238E27FC236}">
-                <a16:creationId xmlns:a16="http://schemas.microsoft.com/office/drawing/2014/main" id="{39E4428A-A613-4C27-9117-FACF84D5AAEF}"/>
-              </a:ext>
-            </a:extLst>
-          </p:cNvPr>
-          <p:cNvCxnSpPr>
-            <a:cxnSpLocks/>
-          </p:cNvCxnSpPr>
-          <p:nvPr/>
-        </p:nvCxnSpPr>
-        <p:spPr>
-          <a:xfrm>
-            <a:off x="6506597" y="1626484"/>
-            <a:ext cx="657458" cy="0"/>
-          </a:xfrm>
-          <a:prstGeom prst="straightConnector1">
-            <a:avLst/>
-          </a:prstGeom>
-          <a:ln>
-            <a:tailEnd type="triangle"/>
-          </a:ln>
-        </p:spPr>
-        <p:style>
-          <a:lnRef idx="1">
-            <a:schemeClr val="accent1"/>
-          </a:lnRef>
-          <a:fillRef idx="0">
-            <a:schemeClr val="accent1"/>
-          </a:fillRef>
-          <a:effectRef idx="0">
-            <a:schemeClr val="accent1"/>
-          </a:effectRef>
-          <a:fontRef idx="minor">
-            <a:schemeClr val="tx1"/>
-          </a:fontRef>
-        </p:style>
-      </p:cxnSp>
-      <p:cxnSp>
-        <p:nvCxnSpPr>
-          <p:cNvPr id="33" name="Straight Arrow Connector 32">
-            <a:extLst>
-              <a:ext uri="{FF2B5EF4-FFF2-40B4-BE49-F238E27FC236}">
-                <a16:creationId xmlns:a16="http://schemas.microsoft.com/office/drawing/2014/main" id="{B735EBBD-A5E1-4239-88F1-ED28A6DE7583}"/>
-              </a:ext>
-            </a:extLst>
-          </p:cNvPr>
-          <p:cNvCxnSpPr>
-            <a:cxnSpLocks/>
-          </p:cNvCxnSpPr>
-          <p:nvPr/>
-        </p:nvCxnSpPr>
-        <p:spPr>
-          <a:xfrm>
-            <a:off x="6279887" y="2824704"/>
-            <a:ext cx="884168" cy="1"/>
-          </a:xfrm>
-          <a:prstGeom prst="straightConnector1">
-            <a:avLst/>
-          </a:prstGeom>
-          <a:ln>
-            <a:tailEnd type="triangle"/>
-          </a:ln>
-        </p:spPr>
-        <p:style>
-          <a:lnRef idx="1">
-            <a:schemeClr val="accent1"/>
-          </a:lnRef>
-          <a:fillRef idx="0">
-            <a:schemeClr val="accent1"/>
-          </a:fillRef>
-          <a:effectRef idx="0">
-            <a:schemeClr val="accent1"/>
-          </a:effectRef>
-          <a:fontRef idx="minor">
-            <a:schemeClr val="tx1"/>
-          </a:fontRef>
-        </p:style>
-      </p:cxnSp>
-      <p:cxnSp>
-        <p:nvCxnSpPr>
-          <p:cNvPr id="35" name="Straight Connector 34">
-            <a:extLst>
-              <a:ext uri="{FF2B5EF4-FFF2-40B4-BE49-F238E27FC236}">
-                <a16:creationId xmlns:a16="http://schemas.microsoft.com/office/drawing/2014/main" id="{DF7B54D1-4BC5-42C6-88AF-E6F018D0CCD9}"/>
+                <a16:creationId xmlns:a16="http://schemas.microsoft.com/office/drawing/2014/main" id="{60D2187E-B9A2-4504-9D13-6D0DFF687C2E}"/>
               </a:ext>
             </a:extLst>
           </p:cNvPr>
@@ -7515,8 +8190,8 @@
         </p:nvCxnSpPr>
         <p:spPr>
           <a:xfrm>
-            <a:off x="6279887" y="2327562"/>
-            <a:ext cx="0" cy="510533"/>
+            <a:off x="6802932" y="990600"/>
+            <a:ext cx="513523" cy="0"/>
           </a:xfrm>
           <a:prstGeom prst="line">
             <a:avLst/>
@@ -7537,337 +8212,6 @@
           </a:fontRef>
         </p:style>
       </p:cxnSp>
-      <p:cxnSp>
-        <p:nvCxnSpPr>
-          <p:cNvPr id="37" name="Straight Arrow Connector 36">
-            <a:extLst>
-              <a:ext uri="{FF2B5EF4-FFF2-40B4-BE49-F238E27FC236}">
-                <a16:creationId xmlns:a16="http://schemas.microsoft.com/office/drawing/2014/main" id="{54A4F332-8C95-4778-AD02-7AEBDF970C13}"/>
-              </a:ext>
-            </a:extLst>
-          </p:cNvPr>
-          <p:cNvCxnSpPr>
-            <a:cxnSpLocks/>
-            <a:stCxn id="7" idx="3"/>
-            <a:endCxn id="8" idx="1"/>
-          </p:cNvCxnSpPr>
-          <p:nvPr/>
-        </p:nvCxnSpPr>
-        <p:spPr>
-          <a:xfrm>
-            <a:off x="8645234" y="1639874"/>
-            <a:ext cx="869060" cy="3779"/>
-          </a:xfrm>
-          <a:prstGeom prst="straightConnector1">
-            <a:avLst/>
-          </a:prstGeom>
-          <a:ln>
-            <a:tailEnd type="triangle"/>
-          </a:ln>
-        </p:spPr>
-        <p:style>
-          <a:lnRef idx="1">
-            <a:schemeClr val="accent1"/>
-          </a:lnRef>
-          <a:fillRef idx="0">
-            <a:schemeClr val="accent1"/>
-          </a:fillRef>
-          <a:effectRef idx="0">
-            <a:schemeClr val="accent1"/>
-          </a:effectRef>
-          <a:fontRef idx="minor">
-            <a:schemeClr val="tx1"/>
-          </a:fontRef>
-        </p:style>
-      </p:cxnSp>
-      <p:cxnSp>
-        <p:nvCxnSpPr>
-          <p:cNvPr id="41" name="Straight Arrow Connector 40">
-            <a:extLst>
-              <a:ext uri="{FF2B5EF4-FFF2-40B4-BE49-F238E27FC236}">
-                <a16:creationId xmlns:a16="http://schemas.microsoft.com/office/drawing/2014/main" id="{8781131E-9B9A-449B-8AAD-F86DE38AAB99}"/>
-              </a:ext>
-            </a:extLst>
-          </p:cNvPr>
-          <p:cNvCxnSpPr>
-            <a:cxnSpLocks/>
-            <a:stCxn id="10" idx="3"/>
-            <a:endCxn id="9" idx="1"/>
-          </p:cNvCxnSpPr>
-          <p:nvPr/>
-        </p:nvCxnSpPr>
-        <p:spPr>
-          <a:xfrm>
-            <a:off x="8645233" y="2831401"/>
-            <a:ext cx="869061" cy="0"/>
-          </a:xfrm>
-          <a:prstGeom prst="straightConnector1">
-            <a:avLst/>
-          </a:prstGeom>
-          <a:ln>
-            <a:tailEnd type="triangle"/>
-          </a:ln>
-        </p:spPr>
-        <p:style>
-          <a:lnRef idx="1">
-            <a:schemeClr val="accent1"/>
-          </a:lnRef>
-          <a:fillRef idx="0">
-            <a:schemeClr val="accent1"/>
-          </a:fillRef>
-          <a:effectRef idx="0">
-            <a:schemeClr val="accent1"/>
-          </a:effectRef>
-          <a:fontRef idx="minor">
-            <a:schemeClr val="tx1"/>
-          </a:fontRef>
-        </p:style>
-      </p:cxnSp>
-      <p:sp>
-        <p:nvSpPr>
-          <p:cNvPr id="44" name="TextBox 43">
-            <a:extLst>
-              <a:ext uri="{FF2B5EF4-FFF2-40B4-BE49-F238E27FC236}">
-                <a16:creationId xmlns:a16="http://schemas.microsoft.com/office/drawing/2014/main" id="{CAF50601-E74F-43A5-A18D-C7305B4C0A2E}"/>
-              </a:ext>
-            </a:extLst>
-          </p:cNvPr>
-          <p:cNvSpPr txBox="1"/>
-          <p:nvPr/>
-        </p:nvSpPr>
-        <p:spPr>
-          <a:xfrm>
-            <a:off x="2256404" y="2556864"/>
-            <a:ext cx="750655" cy="584775"/>
-          </a:xfrm>
-          <a:prstGeom prst="rect">
-            <a:avLst/>
-          </a:prstGeom>
-          <a:noFill/>
-        </p:spPr>
-        <p:txBody>
-          <a:bodyPr wrap="none" rtlCol="0">
-            <a:spAutoFit/>
-          </a:bodyPr>
-          <a:lstStyle/>
-          <a:p>
-            <a:r>
-              <a:rPr lang="en-AU" sz="1600" dirty="0"/>
-              <a:t>Return</a:t>
-            </a:r>
-          </a:p>
-          <a:p>
-            <a:r>
-              <a:rPr lang="en-AU" sz="1600" dirty="0"/>
-              <a:t>invalid</a:t>
-            </a:r>
-            <a:endParaRPr lang="en-US" sz="1600" dirty="0"/>
-          </a:p>
-        </p:txBody>
-      </p:sp>
-      <p:sp>
-        <p:nvSpPr>
-          <p:cNvPr id="45" name="TextBox 44">
-            <a:extLst>
-              <a:ext uri="{FF2B5EF4-FFF2-40B4-BE49-F238E27FC236}">
-                <a16:creationId xmlns:a16="http://schemas.microsoft.com/office/drawing/2014/main" id="{512BE694-2AB0-4D2D-9E97-749A914296F7}"/>
-              </a:ext>
-            </a:extLst>
-          </p:cNvPr>
-          <p:cNvSpPr txBox="1"/>
-          <p:nvPr/>
-        </p:nvSpPr>
-        <p:spPr>
-          <a:xfrm>
-            <a:off x="5015352" y="2523901"/>
-            <a:ext cx="826445" cy="584775"/>
-          </a:xfrm>
-          <a:prstGeom prst="rect">
-            <a:avLst/>
-          </a:prstGeom>
-          <a:noFill/>
-        </p:spPr>
-        <p:txBody>
-          <a:bodyPr wrap="none" rtlCol="0">
-            <a:spAutoFit/>
-          </a:bodyPr>
-          <a:lstStyle/>
-          <a:p>
-            <a:r>
-              <a:rPr lang="en-AU" sz="1600" dirty="0"/>
-              <a:t>Check </a:t>
-            </a:r>
-          </a:p>
-          <a:p>
-            <a:r>
-              <a:rPr lang="en-AU" sz="1600" dirty="0"/>
-              <a:t>country</a:t>
-            </a:r>
-            <a:endParaRPr lang="en-US" sz="1600" dirty="0"/>
-          </a:p>
-        </p:txBody>
-      </p:sp>
-      <p:sp>
-        <p:nvSpPr>
-          <p:cNvPr id="46" name="TextBox 45">
-            <a:extLst>
-              <a:ext uri="{FF2B5EF4-FFF2-40B4-BE49-F238E27FC236}">
-                <a16:creationId xmlns:a16="http://schemas.microsoft.com/office/drawing/2014/main" id="{25D568A7-EB92-4A1C-9BC5-3252CA281191}"/>
-              </a:ext>
-            </a:extLst>
-          </p:cNvPr>
-          <p:cNvSpPr txBox="1"/>
-          <p:nvPr/>
-        </p:nvSpPr>
-        <p:spPr>
-          <a:xfrm>
-            <a:off x="6551196" y="1974679"/>
-            <a:ext cx="1225720" cy="584775"/>
-          </a:xfrm>
-          <a:prstGeom prst="rect">
-            <a:avLst/>
-          </a:prstGeom>
-          <a:noFill/>
-        </p:spPr>
-        <p:txBody>
-          <a:bodyPr wrap="none" rtlCol="0">
-            <a:spAutoFit/>
-          </a:bodyPr>
-          <a:lstStyle/>
-          <a:p>
-            <a:r>
-              <a:rPr lang="en-AU" sz="1600" dirty="0"/>
-              <a:t>Invoke REST </a:t>
-            </a:r>
-          </a:p>
-          <a:p>
-            <a:r>
-              <a:rPr lang="en-AU" sz="1600" dirty="0"/>
-              <a:t>Client</a:t>
-            </a:r>
-            <a:endParaRPr lang="en-US" sz="1600" dirty="0"/>
-          </a:p>
-        </p:txBody>
-      </p:sp>
-      <p:cxnSp>
-        <p:nvCxnSpPr>
-          <p:cNvPr id="50" name="Straight Connector 49">
-            <a:extLst>
-              <a:ext uri="{FF2B5EF4-FFF2-40B4-BE49-F238E27FC236}">
-                <a16:creationId xmlns:a16="http://schemas.microsoft.com/office/drawing/2014/main" id="{AC57E18D-4ACC-4C6F-9213-4F4FC33E18C8}"/>
-              </a:ext>
-            </a:extLst>
-          </p:cNvPr>
-          <p:cNvCxnSpPr/>
-          <p:nvPr/>
-        </p:nvCxnSpPr>
-        <p:spPr>
-          <a:xfrm flipV="1">
-            <a:off x="5478843" y="884172"/>
-            <a:ext cx="0" cy="483649"/>
-          </a:xfrm>
-          <a:prstGeom prst="line">
-            <a:avLst/>
-          </a:prstGeom>
-        </p:spPr>
-        <p:style>
-          <a:lnRef idx="1">
-            <a:schemeClr val="accent1"/>
-          </a:lnRef>
-          <a:fillRef idx="0">
-            <a:schemeClr val="accent1"/>
-          </a:fillRef>
-          <a:effectRef idx="0">
-            <a:schemeClr val="accent1"/>
-          </a:effectRef>
-          <a:fontRef idx="minor">
-            <a:schemeClr val="tx1"/>
-          </a:fontRef>
-        </p:style>
-      </p:cxnSp>
-      <p:cxnSp>
-        <p:nvCxnSpPr>
-          <p:cNvPr id="51" name="Straight Arrow Connector 50">
-            <a:extLst>
-              <a:ext uri="{FF2B5EF4-FFF2-40B4-BE49-F238E27FC236}">
-                <a16:creationId xmlns:a16="http://schemas.microsoft.com/office/drawing/2014/main" id="{2F5F8304-CA4E-4527-9B48-777ED682E2EF}"/>
-              </a:ext>
-            </a:extLst>
-          </p:cNvPr>
-          <p:cNvCxnSpPr>
-            <a:cxnSpLocks/>
-          </p:cNvCxnSpPr>
-          <p:nvPr/>
-        </p:nvCxnSpPr>
-        <p:spPr>
-          <a:xfrm flipH="1">
-            <a:off x="1443392" y="884172"/>
-            <a:ext cx="4035451" cy="0"/>
-          </a:xfrm>
-          <a:prstGeom prst="straightConnector1">
-            <a:avLst/>
-          </a:prstGeom>
-          <a:ln>
-            <a:tailEnd type="triangle"/>
-          </a:ln>
-        </p:spPr>
-        <p:style>
-          <a:lnRef idx="1">
-            <a:schemeClr val="accent1"/>
-          </a:lnRef>
-          <a:fillRef idx="0">
-            <a:schemeClr val="accent1"/>
-          </a:fillRef>
-          <a:effectRef idx="0">
-            <a:schemeClr val="accent1"/>
-          </a:effectRef>
-          <a:fontRef idx="minor">
-            <a:schemeClr val="tx1"/>
-          </a:fontRef>
-        </p:style>
-      </p:cxnSp>
-      <p:sp>
-        <p:nvSpPr>
-          <p:cNvPr id="53" name="TextBox 52">
-            <a:extLst>
-              <a:ext uri="{FF2B5EF4-FFF2-40B4-BE49-F238E27FC236}">
-                <a16:creationId xmlns:a16="http://schemas.microsoft.com/office/drawing/2014/main" id="{FF2819ED-801D-4291-8D75-CD908DBC28BE}"/>
-              </a:ext>
-            </a:extLst>
-          </p:cNvPr>
-          <p:cNvSpPr txBox="1"/>
-          <p:nvPr/>
-        </p:nvSpPr>
-        <p:spPr>
-          <a:xfrm>
-            <a:off x="3501960" y="586671"/>
-            <a:ext cx="808235" cy="584775"/>
-          </a:xfrm>
-          <a:prstGeom prst="rect">
-            <a:avLst/>
-          </a:prstGeom>
-          <a:noFill/>
-        </p:spPr>
-        <p:txBody>
-          <a:bodyPr wrap="none" rtlCol="0">
-            <a:spAutoFit/>
-          </a:bodyPr>
-          <a:lstStyle/>
-          <a:p>
-            <a:r>
-              <a:rPr lang="en-AU" sz="1600" dirty="0"/>
-              <a:t>Return</a:t>
-            </a:r>
-          </a:p>
-          <a:p>
-            <a:r>
-              <a:rPr lang="en-AU" sz="1600" dirty="0"/>
-              <a:t>success</a:t>
-            </a:r>
-            <a:endParaRPr lang="en-US" sz="1600" dirty="0"/>
-          </a:p>
-        </p:txBody>
-      </p:sp>
     </p:spTree>
     <p:extLst>
       <p:ext uri="{BB962C8B-B14F-4D97-AF65-F5344CB8AC3E}">
@@ -7929,14 +8273,9 @@
             <a:pPr algn="ctr"/>
             <a:r>
               <a:rPr lang="en-US" sz="2400" b="0" cap="none" spc="0" dirty="0">
-                <a:ln w="0"/>
-                <a:effectLst>
-                  <a:outerShdw blurRad="38100" dist="25400" dir="5400000" algn="ctr" rotWithShape="0">
-                    <a:srgbClr val="6E747A">
-                      <a:alpha val="43000"/>
-                    </a:srgbClr>
-                  </a:outerShdw>
-                </a:effectLst>
+                <a:ln w="0">
+                  <a:noFill/>
+                </a:ln>
               </a:rPr>
               <a:t>Assumptions</a:t>
             </a:r>
@@ -7957,8 +8296,8 @@
         </p:nvSpPr>
         <p:spPr>
           <a:xfrm>
-            <a:off x="36506" y="239935"/>
-            <a:ext cx="6787487" cy="3539430"/>
+            <a:off x="114300" y="239935"/>
+            <a:ext cx="6709693" cy="3539430"/>
           </a:xfrm>
           <a:prstGeom prst="rect">
             <a:avLst/>
@@ -7973,14 +8312,9 @@
           <a:p>
             <a:r>
               <a:rPr lang="en-US" sz="1400" b="1" cap="none" spc="0" dirty="0">
-                <a:ln w="0"/>
-                <a:effectLst>
-                  <a:outerShdw blurRad="38100" dist="25400" dir="5400000" algn="ctr" rotWithShape="0">
-                    <a:srgbClr val="6E747A">
-                      <a:alpha val="43000"/>
-                    </a:srgbClr>
-                  </a:outerShdw>
-                </a:effectLst>
+                <a:ln w="0">
+                  <a:noFill/>
+                </a:ln>
               </a:rPr>
               <a:t>Technology stack:</a:t>
             </a:r>
@@ -7991,27 +8325,17 @@
             </a:pPr>
             <a:r>
               <a:rPr lang="en-AU" sz="1400" dirty="0">
-                <a:ln w="0"/>
-                <a:effectLst>
-                  <a:outerShdw blurRad="38100" dist="25400" dir="5400000" algn="ctr" rotWithShape="0">
-                    <a:srgbClr val="6E747A">
-                      <a:alpha val="43000"/>
-                    </a:srgbClr>
-                  </a:outerShdw>
-                </a:effectLst>
+                <a:ln w="0">
+                  <a:noFill/>
+                </a:ln>
               </a:rPr>
               <a:t>J</a:t>
             </a:r>
             <a:r>
               <a:rPr lang="en-US" sz="1400" dirty="0">
-                <a:ln w="0"/>
-                <a:effectLst>
-                  <a:outerShdw blurRad="38100" dist="25400" dir="5400000" algn="ctr" rotWithShape="0">
-                    <a:srgbClr val="6E747A">
-                      <a:alpha val="43000"/>
-                    </a:srgbClr>
-                  </a:outerShdw>
-                </a:effectLst>
+                <a:ln w="0">
+                  <a:noFill/>
+                </a:ln>
               </a:rPr>
               <a:t>ava 8 or later</a:t>
             </a:r>
@@ -8022,40 +8346,25 @@
             </a:pPr>
             <a:r>
               <a:rPr lang="en-AU" sz="1400" dirty="0">
-                <a:ln w="0"/>
-                <a:effectLst>
-                  <a:outerShdw blurRad="38100" dist="25400" dir="5400000" algn="ctr" rotWithShape="0">
-                    <a:srgbClr val="6E747A">
-                      <a:alpha val="43000"/>
-                    </a:srgbClr>
-                  </a:outerShdw>
-                </a:effectLst>
+                <a:ln w="0">
+                  <a:noFill/>
+                </a:ln>
               </a:rPr>
               <a:t>D</a:t>
             </a:r>
             <a:r>
               <a:rPr lang="en-US" sz="1400" dirty="0" err="1">
-                <a:ln w="0"/>
-                <a:effectLst>
-                  <a:outerShdw blurRad="38100" dist="25400" dir="5400000" algn="ctr" rotWithShape="0">
-                    <a:srgbClr val="6E747A">
-                      <a:alpha val="43000"/>
-                    </a:srgbClr>
-                  </a:outerShdw>
-                </a:effectLst>
+                <a:ln w="0">
+                  <a:noFill/>
+                </a:ln>
               </a:rPr>
               <a:t>esign</a:t>
             </a:r>
             <a:r>
               <a:rPr lang="en-US" sz="1400" dirty="0">
-                <a:ln w="0"/>
-                <a:effectLst>
-                  <a:outerShdw blurRad="38100" dist="25400" dir="5400000" algn="ctr" rotWithShape="0">
-                    <a:srgbClr val="6E747A">
-                      <a:alpha val="43000"/>
-                    </a:srgbClr>
-                  </a:outerShdw>
-                </a:effectLst>
+                <a:ln w="0">
+                  <a:noFill/>
+                </a:ln>
               </a:rPr>
               <a:t> patterns, SOLID and KISS principles</a:t>
             </a:r>
@@ -8067,27 +8376,17 @@
             </a:pPr>
             <a:r>
               <a:rPr lang="en-US" sz="1400" dirty="0" err="1">
-                <a:ln w="0"/>
-                <a:effectLst>
-                  <a:outerShdw blurRad="38100" dist="25400" dir="5400000" algn="ctr" rotWithShape="0">
-                    <a:srgbClr val="6E747A">
-                      <a:alpha val="43000"/>
-                    </a:srgbClr>
-                  </a:outerShdw>
-                </a:effectLst>
+                <a:ln w="0">
+                  <a:noFill/>
+                </a:ln>
               </a:rPr>
               <a:t>Springboot</a:t>
             </a:r>
             <a:r>
               <a:rPr lang="en-US" sz="1400" dirty="0">
-                <a:ln w="0"/>
-                <a:effectLst>
-                  <a:outerShdw blurRad="38100" dist="25400" dir="5400000" algn="ctr" rotWithShape="0">
-                    <a:srgbClr val="6E747A">
-                      <a:alpha val="43000"/>
-                    </a:srgbClr>
-                  </a:outerShdw>
-                </a:effectLst>
+                <a:ln w="0">
+                  <a:noFill/>
+                </a:ln>
               </a:rPr>
               <a:t> – for controller, service, and DAO layer</a:t>
             </a:r>
@@ -8098,14 +8397,9 @@
             </a:pPr>
             <a:r>
               <a:rPr lang="en-US" sz="1400" dirty="0">
-                <a:ln w="0"/>
-                <a:effectLst>
-                  <a:outerShdw blurRad="38100" dist="25400" dir="5400000" algn="ctr" rotWithShape="0">
-                    <a:srgbClr val="6E747A">
-                      <a:alpha val="43000"/>
-                    </a:srgbClr>
-                  </a:outerShdw>
-                </a:effectLst>
+                <a:ln w="0">
+                  <a:noFill/>
+                </a:ln>
               </a:rPr>
               <a:t>Spring –cloud for cloud services integration</a:t>
             </a:r>
@@ -8116,40 +8410,25 @@
             </a:pPr>
             <a:r>
               <a:rPr lang="en-AU" sz="1400" dirty="0">
-                <a:ln w="0"/>
-                <a:effectLst>
-                  <a:outerShdw blurRad="38100" dist="25400" dir="5400000" algn="ctr" rotWithShape="0">
-                    <a:srgbClr val="6E747A">
-                      <a:alpha val="43000"/>
-                    </a:srgbClr>
-                  </a:outerShdw>
-                </a:effectLst>
+                <a:ln w="0">
+                  <a:noFill/>
+                </a:ln>
               </a:rPr>
               <a:t>S</a:t>
             </a:r>
             <a:r>
               <a:rPr lang="en-US" sz="1400" dirty="0" err="1">
-                <a:ln w="0"/>
-                <a:effectLst>
-                  <a:outerShdw blurRad="38100" dist="25400" dir="5400000" algn="ctr" rotWithShape="0">
-                    <a:srgbClr val="6E747A">
-                      <a:alpha val="43000"/>
-                    </a:srgbClr>
-                  </a:outerShdw>
-                </a:effectLst>
+                <a:ln w="0">
+                  <a:noFill/>
+                </a:ln>
               </a:rPr>
               <a:t>pring</a:t>
             </a:r>
             <a:r>
               <a:rPr lang="en-US" sz="1400" dirty="0">
-                <a:ln w="0"/>
-                <a:effectLst>
-                  <a:outerShdw blurRad="38100" dist="25400" dir="5400000" algn="ctr" rotWithShape="0">
-                    <a:srgbClr val="6E747A">
-                      <a:alpha val="43000"/>
-                    </a:srgbClr>
-                  </a:outerShdw>
-                </a:effectLst>
+                <a:ln w="0">
+                  <a:noFill/>
+                </a:ln>
               </a:rPr>
               <a:t> data, security, AES encryption</a:t>
             </a:r>
@@ -8160,40 +8439,25 @@
             </a:pPr>
             <a:r>
               <a:rPr lang="en-AU" sz="1400" dirty="0">
-                <a:ln w="0"/>
-                <a:effectLst>
-                  <a:outerShdw blurRad="38100" dist="25400" dir="5400000" algn="ctr" rotWithShape="0">
-                    <a:srgbClr val="6E747A">
-                      <a:alpha val="43000"/>
-                    </a:srgbClr>
-                  </a:outerShdw>
-                </a:effectLst>
+                <a:ln w="0">
+                  <a:noFill/>
+                </a:ln>
               </a:rPr>
               <a:t>D</a:t>
             </a:r>
             <a:r>
               <a:rPr lang="en-US" sz="1400" dirty="0" err="1">
-                <a:ln w="0"/>
-                <a:effectLst>
-                  <a:outerShdw blurRad="38100" dist="25400" dir="5400000" algn="ctr" rotWithShape="0">
-                    <a:srgbClr val="6E747A">
-                      <a:alpha val="43000"/>
-                    </a:srgbClr>
-                  </a:outerShdw>
-                </a:effectLst>
+                <a:ln w="0">
+                  <a:noFill/>
+                </a:ln>
               </a:rPr>
               <a:t>rools</a:t>
             </a:r>
             <a:r>
               <a:rPr lang="en-US" sz="1400" dirty="0">
-                <a:ln w="0"/>
-                <a:effectLst>
-                  <a:outerShdw blurRad="38100" dist="25400" dir="5400000" algn="ctr" rotWithShape="0">
-                    <a:srgbClr val="6E747A">
-                      <a:alpha val="43000"/>
-                    </a:srgbClr>
-                  </a:outerShdw>
-                </a:effectLst>
+                <a:ln w="0">
+                  <a:noFill/>
+                </a:ln>
               </a:rPr>
               <a:t> for rules engine. Configure country rule and invoke respective gateway service client</a:t>
             </a:r>
@@ -8204,40 +8468,25 @@
             </a:pPr>
             <a:r>
               <a:rPr lang="en-AU" sz="1400" b="0" cap="none" spc="0" dirty="0">
-                <a:ln w="0"/>
-                <a:effectLst>
-                  <a:outerShdw blurRad="38100" dist="25400" dir="5400000" algn="ctr" rotWithShape="0">
-                    <a:srgbClr val="6E747A">
-                      <a:alpha val="43000"/>
-                    </a:srgbClr>
-                  </a:outerShdw>
-                </a:effectLst>
+                <a:ln w="0">
+                  <a:noFill/>
+                </a:ln>
               </a:rPr>
               <a:t>R</a:t>
             </a:r>
             <a:r>
               <a:rPr lang="en-US" sz="1400" b="0" cap="none" spc="0" dirty="0">
-                <a:ln w="0"/>
-                <a:effectLst>
-                  <a:outerShdw blurRad="38100" dist="25400" dir="5400000" algn="ctr" rotWithShape="0">
-                    <a:srgbClr val="6E747A">
-                      <a:alpha val="43000"/>
-                    </a:srgbClr>
-                  </a:outerShdw>
-                </a:effectLst>
+                <a:ln w="0">
+                  <a:noFill/>
+                </a:ln>
               </a:rPr>
               <a:t>DBM</a:t>
             </a:r>
             <a:r>
               <a:rPr lang="en-US" sz="1400" dirty="0">
-                <a:ln w="0"/>
-                <a:effectLst>
-                  <a:outerShdw blurRad="38100" dist="25400" dir="5400000" algn="ctr" rotWithShape="0">
-                    <a:srgbClr val="6E747A">
-                      <a:alpha val="43000"/>
-                    </a:srgbClr>
-                  </a:outerShdw>
-                </a:effectLst>
+                <a:ln w="0">
+                  <a:noFill/>
+                </a:ln>
               </a:rPr>
               <a:t>S – PostgreSQL, MySQL</a:t>
             </a:r>
@@ -8248,14 +8497,9 @@
             </a:pPr>
             <a:r>
               <a:rPr lang="en-AU" sz="1400" dirty="0">
-                <a:ln w="0"/>
-                <a:effectLst>
-                  <a:outerShdw blurRad="38100" dist="25400" dir="5400000" algn="ctr" rotWithShape="0">
-                    <a:srgbClr val="6E747A">
-                      <a:alpha val="43000"/>
-                    </a:srgbClr>
-                  </a:outerShdw>
-                </a:effectLst>
+                <a:ln w="0">
+                  <a:noFill/>
+                </a:ln>
               </a:rPr>
               <a:t>Feign REST client – declarative approach</a:t>
             </a:r>
@@ -8266,14 +8510,9 @@
             </a:pPr>
             <a:r>
               <a:rPr lang="en-AU" sz="1400" b="0" cap="none" spc="0" dirty="0">
-                <a:ln w="0"/>
-                <a:effectLst>
-                  <a:outerShdw blurRad="38100" dist="25400" dir="5400000" algn="ctr" rotWithShape="0">
-                    <a:srgbClr val="6E747A">
-                      <a:alpha val="43000"/>
-                    </a:srgbClr>
-                  </a:outerShdw>
-                </a:effectLst>
+                <a:ln w="0">
+                  <a:noFill/>
+                </a:ln>
               </a:rPr>
               <a:t>RabbitMQ - for Async audit log capturing</a:t>
             </a:r>
@@ -8284,14 +8523,9 @@
             </a:pPr>
             <a:r>
               <a:rPr lang="en-AU" sz="1400" b="0" cap="none" spc="0" dirty="0">
-                <a:ln w="0"/>
-                <a:effectLst>
-                  <a:outerShdw blurRad="38100" dist="25400" dir="5400000" algn="ctr" rotWithShape="0">
-                    <a:srgbClr val="6E747A">
-                      <a:alpha val="43000"/>
-                    </a:srgbClr>
-                  </a:outerShdw>
-                </a:effectLst>
+                <a:ln w="0">
+                  <a:noFill/>
+                </a:ln>
               </a:rPr>
               <a:t>Either embedded tomcat server per microservice or isolated containers (e.g. Docker)</a:t>
             </a:r>
@@ -8302,40 +8536,25 @@
             </a:pPr>
             <a:r>
               <a:rPr lang="en-AU" sz="1400" dirty="0">
-                <a:ln w="0"/>
-                <a:effectLst>
-                  <a:outerShdw blurRad="38100" dist="25400" dir="5400000" algn="ctr" rotWithShape="0">
-                    <a:srgbClr val="6E747A">
-                      <a:alpha val="43000"/>
-                    </a:srgbClr>
-                  </a:outerShdw>
-                </a:effectLst>
+                <a:ln w="0">
+                  <a:noFill/>
+                </a:ln>
               </a:rPr>
               <a:t>Junit, Spring Test, Spring validations, </a:t>
             </a:r>
             <a:r>
               <a:rPr lang="en-AU" sz="1400" dirty="0" err="1">
-                <a:ln w="0"/>
-                <a:effectLst>
-                  <a:outerShdw blurRad="38100" dist="25400" dir="5400000" algn="ctr" rotWithShape="0">
-                    <a:srgbClr val="6E747A">
-                      <a:alpha val="43000"/>
-                    </a:srgbClr>
-                  </a:outerShdw>
-                </a:effectLst>
+                <a:ln w="0">
+                  <a:noFill/>
+                </a:ln>
               </a:rPr>
               <a:t>Mokito</a:t>
             </a:r>
             <a:r>
               <a:rPr lang="en-AU" sz="1400" dirty="0">
-                <a:ln w="0"/>
-                <a:effectLst>
-                  <a:outerShdw blurRad="38100" dist="25400" dir="5400000" algn="ctr" rotWithShape="0">
-                    <a:srgbClr val="6E747A">
-                      <a:alpha val="43000"/>
-                    </a:srgbClr>
-                  </a:outerShdw>
-                </a:effectLst>
+                <a:ln w="0">
+                  <a:noFill/>
+                </a:ln>
               </a:rPr>
               <a:t>, Git repository</a:t>
             </a:r>
@@ -8346,14 +8565,9 @@
             </a:pPr>
             <a:r>
               <a:rPr lang="en-AU" sz="1400" b="0" cap="none" spc="0" dirty="0">
-                <a:ln w="0"/>
-                <a:effectLst>
-                  <a:outerShdw blurRad="38100" dist="25400" dir="5400000" algn="ctr" rotWithShape="0">
-                    <a:srgbClr val="6E747A">
-                      <a:alpha val="43000"/>
-                    </a:srgbClr>
-                  </a:outerShdw>
-                </a:effectLst>
+                <a:ln w="0">
+                  <a:noFill/>
+                </a:ln>
               </a:rPr>
               <a:t>Maven for build and Jenkins for CI</a:t>
             </a:r>
@@ -8364,14 +8578,9 @@
             </a:pPr>
             <a:r>
               <a:rPr lang="en-AU" sz="1400" dirty="0">
-                <a:ln w="0"/>
-                <a:effectLst>
-                  <a:outerShdw blurRad="38100" dist="25400" dir="5400000" algn="ctr" rotWithShape="0">
-                    <a:srgbClr val="6E747A">
-                      <a:alpha val="43000"/>
-                    </a:srgbClr>
-                  </a:outerShdw>
-                </a:effectLst>
+                <a:ln w="0">
+                  <a:noFill/>
+                </a:ln>
               </a:rPr>
               <a:t>Eclipse or IntelliJ</a:t>
             </a:r>
@@ -8382,52 +8591,32 @@
             </a:pPr>
             <a:r>
               <a:rPr lang="en-AU" sz="1400" b="0" cap="none" spc="0" dirty="0">
-                <a:ln w="0"/>
-                <a:effectLst>
-                  <a:outerShdw blurRad="38100" dist="25400" dir="5400000" algn="ctr" rotWithShape="0">
-                    <a:srgbClr val="6E747A">
-                      <a:alpha val="43000"/>
-                    </a:srgbClr>
-                  </a:outerShdw>
-                </a:effectLst>
+                <a:ln w="0">
+                  <a:noFill/>
+                </a:ln>
               </a:rPr>
               <a:t>Third party (</a:t>
             </a:r>
             <a:r>
               <a:rPr lang="en-AU" sz="1400" b="0" cap="none" spc="0" dirty="0" err="1">
-                <a:ln w="0"/>
-                <a:effectLst>
-                  <a:outerShdw blurRad="38100" dist="25400" dir="5400000" algn="ctr" rotWithShape="0">
-                    <a:srgbClr val="6E747A">
-                      <a:alpha val="43000"/>
-                    </a:srgbClr>
-                  </a:outerShdw>
-                </a:effectLst>
+                <a:ln w="0">
+                  <a:noFill/>
+                </a:ln>
               </a:rPr>
               <a:t>Gson</a:t>
             </a:r>
             <a:r>
               <a:rPr lang="en-AU" sz="1400" b="0" cap="none" spc="0" dirty="0">
-                <a:ln w="0"/>
-                <a:effectLst>
-                  <a:outerShdw blurRad="38100" dist="25400" dir="5400000" algn="ctr" rotWithShape="0">
-                    <a:srgbClr val="6E747A">
-                      <a:alpha val="43000"/>
-                    </a:srgbClr>
-                  </a:outerShdw>
-                </a:effectLst>
+                <a:ln w="0">
+                  <a:noFill/>
+                </a:ln>
               </a:rPr>
               <a:t>, Apache commons, Jackson)</a:t>
             </a:r>
             <a:endParaRPr lang="en-US" sz="1400" b="0" cap="none" spc="0" dirty="0">
-              <a:ln w="0"/>
-              <a:effectLst>
-                <a:outerShdw blurRad="38100" dist="25400" dir="5400000" algn="ctr" rotWithShape="0">
-                  <a:srgbClr val="6E747A">
-                    <a:alpha val="43000"/>
-                  </a:srgbClr>
-                </a:outerShdw>
-              </a:effectLst>
+              <a:ln w="0">
+                <a:noFill/>
+              </a:ln>
             </a:endParaRPr>
           </a:p>
         </p:txBody>
@@ -8465,14 +8654,9 @@
             </a:pPr>
             <a:r>
               <a:rPr lang="en-AU" sz="1400" dirty="0">
-                <a:ln w="0"/>
-                <a:effectLst>
-                  <a:outerShdw blurRad="38100" dist="25400" dir="5400000" algn="ctr" rotWithShape="0">
-                    <a:srgbClr val="6E747A">
-                      <a:alpha val="43000"/>
-                    </a:srgbClr>
-                  </a:outerShdw>
-                </a:effectLst>
+                <a:ln w="0">
+                  <a:noFill/>
+                </a:ln>
               </a:rPr>
               <a:t>The routing service is only responsible to delegate requests to a particular gateway, therefore just initial authentication require.</a:t>
             </a:r>
@@ -8483,16 +8667,11 @@
             </a:pPr>
             <a:r>
               <a:rPr lang="en-AU" sz="1400" dirty="0">
-                <a:ln w="0"/>
-                <a:effectLst>
-                  <a:outerShdw blurRad="38100" dist="25400" dir="5400000" algn="ctr" rotWithShape="0">
-                    <a:srgbClr val="6E747A">
-                      <a:alpha val="43000"/>
-                    </a:srgbClr>
-                  </a:outerShdw>
-                </a:effectLst>
+                <a:ln w="0">
+                  <a:noFill/>
+                </a:ln>
               </a:rPr>
-              <a:t>Authorization will be part of gateway which is the out of the scope of router service.</a:t>
+              <a:t>Authorization will be part of gateway which is beyond the scope of router service.</a:t>
             </a:r>
           </a:p>
           <a:p>
@@ -8501,26 +8680,132 @@
             </a:pPr>
             <a:r>
               <a:rPr lang="en-AU" sz="1400" dirty="0">
-                <a:ln w="0"/>
-                <a:effectLst>
-                  <a:outerShdw blurRad="38100" dist="25400" dir="5400000" algn="ctr" rotWithShape="0">
-                    <a:srgbClr val="6E747A">
-                      <a:alpha val="43000"/>
-                    </a:srgbClr>
-                  </a:outerShdw>
-                </a:effectLst>
+                <a:ln w="0">
+                  <a:noFill/>
+                </a:ln>
               </a:rPr>
-              <a:t>Latest Currency exchange rate will be part of each Gateway</a:t>
-            </a:r>
-            <a:endParaRPr lang="en-US" sz="1400" dirty="0">
-              <a:ln w="0"/>
-              <a:effectLst>
-                <a:outerShdw blurRad="38100" dist="25400" dir="5400000" algn="ctr" rotWithShape="0">
-                  <a:srgbClr val="6E747A">
-                    <a:alpha val="43000"/>
-                  </a:srgbClr>
-                </a:outerShdw>
-              </a:effectLst>
+              <a:t>Caching ignored due to</a:t>
+            </a:r>
+          </a:p>
+        </p:txBody>
+      </p:sp>
+      <p:sp>
+        <p:nvSpPr>
+          <p:cNvPr id="5" name="Rectangle 4">
+            <a:extLst>
+              <a:ext uri="{FF2B5EF4-FFF2-40B4-BE49-F238E27FC236}">
+                <a16:creationId xmlns:a16="http://schemas.microsoft.com/office/drawing/2014/main" id="{25BF6804-649B-4721-B2AE-FC3F42C2D7B6}"/>
+              </a:ext>
+            </a:extLst>
+          </p:cNvPr>
+          <p:cNvSpPr/>
+          <p:nvPr/>
+        </p:nvSpPr>
+        <p:spPr>
+          <a:xfrm>
+            <a:off x="114300" y="4037235"/>
+            <a:ext cx="6709693" cy="954107"/>
+          </a:xfrm>
+          <a:prstGeom prst="rect">
+            <a:avLst/>
+          </a:prstGeom>
+          <a:noFill/>
+        </p:spPr>
+        <p:txBody>
+          <a:bodyPr wrap="square" lIns="91440" tIns="45720" rIns="91440" bIns="45720">
+            <a:spAutoFit/>
+          </a:bodyPr>
+          <a:lstStyle/>
+          <a:p>
+            <a:r>
+              <a:rPr lang="en-US" sz="1400" b="1" cap="none" spc="0" dirty="0">
+                <a:ln w="0">
+                  <a:noFill/>
+                </a:ln>
+              </a:rPr>
+              <a:t>Summary:</a:t>
+            </a:r>
+          </a:p>
+          <a:p>
+            <a:r>
+              <a:rPr lang="en-US" sz="1400" cap="none" spc="0" dirty="0">
+                <a:ln w="0">
+                  <a:noFill/>
+                </a:ln>
+              </a:rPr>
+              <a:t>The current design is focused on microservice pattern deployed on cloud platform. This can be deployed on any cloud platform, but AWS is recommended due to seamless integration with Spring-cloud module and declarative approach to use features. </a:t>
+            </a:r>
+          </a:p>
+        </p:txBody>
+      </p:sp>
+      <p:sp>
+        <p:nvSpPr>
+          <p:cNvPr id="6" name="Rectangle 5">
+            <a:extLst>
+              <a:ext uri="{FF2B5EF4-FFF2-40B4-BE49-F238E27FC236}">
+                <a16:creationId xmlns:a16="http://schemas.microsoft.com/office/drawing/2014/main" id="{48C39561-14EA-4A66-A5F6-715E35846F61}"/>
+              </a:ext>
+            </a:extLst>
+          </p:cNvPr>
+          <p:cNvSpPr/>
+          <p:nvPr/>
+        </p:nvSpPr>
+        <p:spPr>
+          <a:xfrm>
+            <a:off x="7237289" y="2396433"/>
+            <a:ext cx="3488872" cy="1600438"/>
+          </a:xfrm>
+          <a:prstGeom prst="rect">
+            <a:avLst/>
+          </a:prstGeom>
+          <a:noFill/>
+        </p:spPr>
+        <p:txBody>
+          <a:bodyPr wrap="square" lIns="91440" tIns="45720" rIns="91440" bIns="45720">
+            <a:spAutoFit/>
+          </a:bodyPr>
+          <a:lstStyle/>
+          <a:p>
+            <a:r>
+              <a:rPr lang="en-US" sz="1400" b="1" cap="none" spc="0" dirty="0">
+                <a:ln w="0">
+                  <a:noFill/>
+                </a:ln>
+              </a:rPr>
+              <a:t>Alternatives:</a:t>
+            </a:r>
+          </a:p>
+          <a:p>
+            <a:r>
+              <a:rPr lang="en-US" sz="1400" cap="none" spc="0" dirty="0">
+                <a:ln w="0">
+                  <a:noFill/>
+                </a:ln>
+              </a:rPr>
+              <a:t>This design</a:t>
+            </a:r>
+            <a:r>
+              <a:rPr lang="en-US" sz="1400" dirty="0">
+                <a:ln w="0">
+                  <a:noFill/>
+                </a:ln>
+              </a:rPr>
+              <a:t> can be</a:t>
+            </a:r>
+            <a:r>
+              <a:rPr lang="en-US" sz="1400" cap="none" spc="0" dirty="0">
+                <a:ln w="0">
+                  <a:noFill/>
+                </a:ln>
+              </a:rPr>
+              <a:t> generalize with use of Strategy design pattern, by writing an interface and creating multiple implementations of gateway invocation through a rules engine.</a:t>
+            </a:r>
+          </a:p>
+          <a:p>
+            <a:endParaRPr lang="en-US" sz="1400" cap="none" spc="0" dirty="0">
+              <a:ln w="0">
+                <a:noFill/>
+              </a:ln>
             </a:endParaRPr>
           </a:p>
         </p:txBody>
